--- a/poison_cluster_defense.pptx
+++ b/poison_cluster_defense.pptx
@@ -6906,8 +6906,8 @@
               <a:t>Budapest, 2025.</a:t>
             </a:r>
             <a:r>
-              <a:rPr lang="en-US" dirty="0"/>
-              <a:t>05.07</a:t>
+              <a:rPr lang="en-US"/>
+              <a:t>05.06</a:t>
             </a:r>
             <a:endParaRPr lang="hu-HU" dirty="0"/>
           </a:p>

--- a/poison_cluster_defense.pptx
+++ b/poison_cluster_defense.pptx
@@ -5,17 +5,19 @@
     <p:sldMasterId id="2147483648" r:id="rId1"/>
   </p:sldMasterIdLst>
   <p:notesMasterIdLst>
-    <p:notesMasterId r:id="rId7"/>
+    <p:notesMasterId r:id="rId9"/>
   </p:notesMasterIdLst>
   <p:handoutMasterIdLst>
-    <p:handoutMasterId r:id="rId8"/>
+    <p:handoutMasterId r:id="rId10"/>
   </p:handoutMasterIdLst>
   <p:sldIdLst>
     <p:sldId id="272" r:id="rId2"/>
     <p:sldId id="295" r:id="rId3"/>
     <p:sldId id="299" r:id="rId4"/>
     <p:sldId id="302" r:id="rId5"/>
-    <p:sldId id="285" r:id="rId6"/>
+    <p:sldId id="304" r:id="rId6"/>
+    <p:sldId id="305" r:id="rId7"/>
+    <p:sldId id="285" r:id="rId8"/>
   </p:sldIdLst>
   <p:sldSz cx="12192000" cy="6858000"/>
   <p:notesSz cx="6858000" cy="9144000"/>
@@ -219,7 +221,7 @@
           <a:p>
             <a:fld id="{C8771E59-BB6D-9C41-A61C-2D524682E115}" type="datetimeFigureOut">
               <a:rPr lang="hu-HU" smtClean="0"/>
-              <a:t>2025. 05. 01.</a:t>
+              <a:t>2025. 05. 03.</a:t>
             </a:fld>
             <a:endParaRPr lang="hu-HU"/>
           </a:p>
@@ -396,7 +398,7 @@
           <a:p>
             <a:fld id="{B4DA393B-998D-3C45-ACA4-5C51E3A83922}" type="datetimeFigureOut">
               <a:rPr lang="hu-HU" smtClean="0"/>
-              <a:t>2025. 05. 01.</a:t>
+              <a:t>2025. 05. 03.</a:t>
             </a:fld>
             <a:endParaRPr lang="hu-HU"/>
           </a:p>
@@ -6784,7 +6786,7 @@
         </p:nvSpPr>
         <p:spPr>
           <a:xfrm>
-            <a:off x="723900" y="1956395"/>
+            <a:off x="723900" y="2131709"/>
             <a:ext cx="10744200" cy="1879880"/>
           </a:xfrm>
         </p:spPr>
@@ -6795,7 +6797,7 @@
             <a:pPr algn="ctr"/>
             <a:r>
               <a:rPr lang="en-US" dirty="0"/>
-              <a:t>Outlier Injection in K-means Clustering</a:t>
+              <a:t>Outlier Injection in K-Means Clustering</a:t>
             </a:r>
             <a:endParaRPr lang="hu-HU" dirty="0"/>
           </a:p>
@@ -7172,8 +7174,8 @@
         </p:nvSpPr>
         <p:spPr>
           <a:xfrm>
-            <a:off x="838200" y="1607437"/>
-            <a:ext cx="10515600" cy="4065776"/>
+            <a:off x="838200" y="1396111"/>
+            <a:ext cx="10515600" cy="4738574"/>
           </a:xfrm>
         </p:spPr>
         <p:txBody>
@@ -7213,11 +7215,67 @@
             </a:r>
           </a:p>
           <a:p>
+            <a:pPr lvl="2"/>
+            <a:r>
+              <a:rPr lang="en-US" dirty="0"/>
+              <a:t>Inserting data on cluster borders</a:t>
+            </a:r>
+          </a:p>
+          <a:p>
+            <a:pPr lvl="2"/>
+            <a:r>
+              <a:rPr lang="en-US" dirty="0"/>
+              <a:t>Mimicry based attack</a:t>
+            </a:r>
+          </a:p>
+          <a:p>
+            <a:pPr lvl="2"/>
+            <a:r>
+              <a:rPr lang="en-US" dirty="0"/>
+              <a:t>Semi-supervised model exploitation</a:t>
+            </a:r>
+          </a:p>
+          <a:p>
+            <a:pPr lvl="2"/>
+            <a:r>
+              <a:rPr lang="en-US" dirty="0"/>
+              <a:t>Classification for comparison</a:t>
+            </a:r>
+          </a:p>
+          <a:p>
             <a:pPr lvl="1"/>
+            <a:r>
+              <a:rPr lang="en-US" dirty="0"/>
+              <a:t>Randomized data</a:t>
+            </a:r>
+          </a:p>
+          <a:p>
+            <a:pPr lvl="2"/>
             <a:r>
               <a:rPr lang="en-US" dirty="0"/>
               <a:t>Random noise</a:t>
             </a:r>
+          </a:p>
+          <a:p>
+            <a:pPr lvl="2"/>
+            <a:r>
+              <a:rPr lang="en-US" dirty="0"/>
+              <a:t>Label shuffling</a:t>
+            </a:r>
+          </a:p>
+          <a:p>
+            <a:pPr lvl="2"/>
+            <a:r>
+              <a:rPr lang="en-US" dirty="0"/>
+              <a:t>Injecting subtle data</a:t>
+            </a:r>
+          </a:p>
+          <a:p>
+            <a:pPr lvl="1"/>
+            <a:endParaRPr lang="en-US" dirty="0"/>
+          </a:p>
+          <a:p>
+            <a:pPr lvl="1"/>
             <a:endParaRPr lang="en-HU" dirty="0"/>
           </a:p>
         </p:txBody>
@@ -7366,6 +7424,19 @@
           <a:p>
             <a:r>
               <a:rPr lang="en-HU" dirty="0"/>
+              <a:t>Anass</a:t>
+            </a:r>
+          </a:p>
+          <a:p>
+            <a:pPr lvl="1"/>
+            <a:r>
+              <a:rPr lang="en-HU" dirty="0"/>
+              <a:t>Comparing SVM classification to classification attacks</a:t>
+            </a:r>
+          </a:p>
+          <a:p>
+            <a:r>
+              <a:rPr lang="en-HU" dirty="0"/>
               <a:t>Levente</a:t>
             </a:r>
           </a:p>
@@ -7433,6 +7504,1562 @@
 </file>
 
 <file path=ppt/slides/slide5.xml><?xml version="1.0" encoding="utf-8"?>
+<p:sld xmlns:a="http://schemas.openxmlformats.org/drawingml/2006/main" xmlns:r="http://schemas.openxmlformats.org/officeDocument/2006/relationships" xmlns:p="http://schemas.openxmlformats.org/presentationml/2006/main">
+  <p:cSld>
+    <p:spTree>
+      <p:nvGrpSpPr>
+        <p:cNvPr id="1" name="">
+          <a:extLst>
+            <a:ext uri="{FF2B5EF4-FFF2-40B4-BE49-F238E27FC236}">
+              <a16:creationId xmlns:a16="http://schemas.microsoft.com/office/drawing/2014/main" id="{8ECB3D20-89FD-8CA3-F731-8FF166271566}"/>
+            </a:ext>
+          </a:extLst>
+        </p:cNvPr>
+        <p:cNvGrpSpPr/>
+        <p:nvPr/>
+      </p:nvGrpSpPr>
+      <p:grpSpPr>
+        <a:xfrm>
+          <a:off x="0" y="0"/>
+          <a:ext cx="0" cy="0"/>
+          <a:chOff x="0" y="0"/>
+          <a:chExt cx="0" cy="0"/>
+        </a:xfrm>
+      </p:grpSpPr>
+      <p:sp>
+        <p:nvSpPr>
+          <p:cNvPr id="2" name="Text Placeholder 1">
+            <a:extLst>
+              <a:ext uri="{FF2B5EF4-FFF2-40B4-BE49-F238E27FC236}">
+                <a16:creationId xmlns:a16="http://schemas.microsoft.com/office/drawing/2014/main" id="{4DD6EBFF-B5C8-0437-64D7-2BE80CA0108C}"/>
+              </a:ext>
+            </a:extLst>
+          </p:cNvPr>
+          <p:cNvSpPr>
+            <a:spLocks noGrp="1"/>
+          </p:cNvSpPr>
+          <p:nvPr>
+            <p:ph type="body" idx="16"/>
+          </p:nvPr>
+        </p:nvSpPr>
+        <p:spPr/>
+        <p:txBody>
+          <a:bodyPr/>
+          <a:lstStyle/>
+          <a:p>
+            <a:r>
+              <a:rPr lang="en-US" dirty="0"/>
+              <a:t>Randomized Injection</a:t>
+            </a:r>
+            <a:endParaRPr lang="en-HU" dirty="0"/>
+          </a:p>
+        </p:txBody>
+      </p:sp>
+      <p:sp>
+        <p:nvSpPr>
+          <p:cNvPr id="3" name="Text Placeholder 2">
+            <a:extLst>
+              <a:ext uri="{FF2B5EF4-FFF2-40B4-BE49-F238E27FC236}">
+                <a16:creationId xmlns:a16="http://schemas.microsoft.com/office/drawing/2014/main" id="{B7E0A035-FB43-71C4-9E84-E2E816659BB0}"/>
+              </a:ext>
+            </a:extLst>
+          </p:cNvPr>
+          <p:cNvSpPr>
+            <a:spLocks noGrp="1"/>
+          </p:cNvSpPr>
+          <p:nvPr>
+            <p:ph type="body" idx="17"/>
+          </p:nvPr>
+        </p:nvSpPr>
+        <p:spPr>
+          <a:xfrm>
+            <a:off x="838200" y="1607437"/>
+            <a:ext cx="10515600" cy="4065776"/>
+          </a:xfrm>
+        </p:spPr>
+        <p:txBody>
+          <a:bodyPr/>
+          <a:lstStyle/>
+          <a:p>
+            <a:r>
+              <a:rPr lang="en-GB" dirty="0"/>
+              <a:t>Gaussian Noise</a:t>
+            </a:r>
+          </a:p>
+          <a:p>
+            <a:r>
+              <a:rPr lang="en-GB" dirty="0"/>
+              <a:t>Uniform Outliers</a:t>
+            </a:r>
+            <a:endParaRPr lang="en-HU" dirty="0"/>
+          </a:p>
+          <a:p>
+            <a:r>
+              <a:rPr lang="en-GB" dirty="0"/>
+              <a:t>Subtle outliers</a:t>
+            </a:r>
+          </a:p>
+          <a:p>
+            <a:r>
+              <a:rPr lang="en-GB" dirty="0"/>
+              <a:t>Shuffled labels</a:t>
+            </a:r>
+            <a:endParaRPr lang="en-HU" dirty="0"/>
+          </a:p>
+        </p:txBody>
+      </p:sp>
+      <p:sp>
+        <p:nvSpPr>
+          <p:cNvPr id="6" name="Text Placeholder 5">
+            <a:extLst>
+              <a:ext uri="{FF2B5EF4-FFF2-40B4-BE49-F238E27FC236}">
+                <a16:creationId xmlns:a16="http://schemas.microsoft.com/office/drawing/2014/main" id="{A308B7B3-D4EA-41A4-E0A5-C87AD2E5A602}"/>
+              </a:ext>
+            </a:extLst>
+          </p:cNvPr>
+          <p:cNvSpPr>
+            <a:spLocks noGrp="1"/>
+          </p:cNvSpPr>
+          <p:nvPr>
+            <p:ph type="body" idx="20"/>
+          </p:nvPr>
+        </p:nvSpPr>
+        <p:spPr/>
+        <p:txBody>
+          <a:bodyPr/>
+          <a:lstStyle/>
+          <a:p>
+            <a:endParaRPr lang="en-HU"/>
+          </a:p>
+        </p:txBody>
+      </p:sp>
+      <p:pic>
+        <p:nvPicPr>
+          <p:cNvPr id="13" name="Picture 12">
+            <a:extLst>
+              <a:ext uri="{FF2B5EF4-FFF2-40B4-BE49-F238E27FC236}">
+                <a16:creationId xmlns:a16="http://schemas.microsoft.com/office/drawing/2014/main" id="{AE56749A-097B-5B11-A650-72C67FCAF0CB}"/>
+              </a:ext>
+            </a:extLst>
+          </p:cNvPr>
+          <p:cNvPicPr>
+            <a:picLocks noChangeAspect="1"/>
+          </p:cNvPicPr>
+          <p:nvPr/>
+        </p:nvPicPr>
+        <p:blipFill>
+          <a:blip r:embed="rId2"/>
+          <a:stretch>
+            <a:fillRect/>
+          </a:stretch>
+        </p:blipFill>
+        <p:spPr>
+          <a:xfrm>
+            <a:off x="4235384" y="2057400"/>
+            <a:ext cx="2429420" cy="2743200"/>
+          </a:xfrm>
+          <a:prstGeom prst="rect">
+            <a:avLst/>
+          </a:prstGeom>
+        </p:spPr>
+      </p:pic>
+      <p:grpSp>
+        <p:nvGrpSpPr>
+          <p:cNvPr id="15" name="Group 14">
+            <a:extLst>
+              <a:ext uri="{FF2B5EF4-FFF2-40B4-BE49-F238E27FC236}">
+                <a16:creationId xmlns:a16="http://schemas.microsoft.com/office/drawing/2014/main" id="{49251F54-8970-B1D6-AE09-622985AD84E6}"/>
+              </a:ext>
+            </a:extLst>
+          </p:cNvPr>
+          <p:cNvGrpSpPr/>
+          <p:nvPr/>
+        </p:nvGrpSpPr>
+        <p:grpSpPr>
+          <a:xfrm>
+            <a:off x="6918251" y="1329566"/>
+            <a:ext cx="3887203" cy="4469634"/>
+            <a:chOff x="6844530" y="1301861"/>
+            <a:chExt cx="3887203" cy="4469634"/>
+          </a:xfrm>
+        </p:grpSpPr>
+        <p:pic>
+          <p:nvPicPr>
+            <p:cNvPr id="7" name="Picture 6">
+              <a:extLst>
+                <a:ext uri="{FF2B5EF4-FFF2-40B4-BE49-F238E27FC236}">
+                  <a16:creationId xmlns:a16="http://schemas.microsoft.com/office/drawing/2014/main" id="{3126FBD5-7F80-662E-7147-1142E0807BA2}"/>
+                </a:ext>
+              </a:extLst>
+            </p:cNvPr>
+            <p:cNvPicPr>
+              <a:picLocks noChangeAspect="1"/>
+            </p:cNvPicPr>
+            <p:nvPr/>
+          </p:nvPicPr>
+          <p:blipFill>
+            <a:blip r:embed="rId3"/>
+            <a:stretch>
+              <a:fillRect/>
+            </a:stretch>
+          </p:blipFill>
+          <p:spPr>
+            <a:xfrm>
+              <a:off x="8809328" y="1309451"/>
+              <a:ext cx="1852339" cy="2169045"/>
+            </a:xfrm>
+            <a:prstGeom prst="rect">
+              <a:avLst/>
+            </a:prstGeom>
+          </p:spPr>
+        </p:pic>
+        <p:pic>
+          <p:nvPicPr>
+            <p:cNvPr id="8" name="Picture 7">
+              <a:extLst>
+                <a:ext uri="{FF2B5EF4-FFF2-40B4-BE49-F238E27FC236}">
+                  <a16:creationId xmlns:a16="http://schemas.microsoft.com/office/drawing/2014/main" id="{E1CE0712-4441-DB16-5A12-E9CD32BF9AAB}"/>
+                </a:ext>
+              </a:extLst>
+            </p:cNvPr>
+            <p:cNvPicPr>
+              <a:picLocks noChangeAspect="1"/>
+            </p:cNvPicPr>
+            <p:nvPr/>
+          </p:nvPicPr>
+          <p:blipFill>
+            <a:blip r:embed="rId4"/>
+            <a:stretch>
+              <a:fillRect/>
+            </a:stretch>
+          </p:blipFill>
+          <p:spPr>
+            <a:xfrm>
+              <a:off x="6908600" y="1301861"/>
+              <a:ext cx="1852338" cy="2169043"/>
+            </a:xfrm>
+            <a:prstGeom prst="rect">
+              <a:avLst/>
+            </a:prstGeom>
+          </p:spPr>
+        </p:pic>
+        <p:pic>
+          <p:nvPicPr>
+            <p:cNvPr id="10" name="Picture 9">
+              <a:extLst>
+                <a:ext uri="{FF2B5EF4-FFF2-40B4-BE49-F238E27FC236}">
+                  <a16:creationId xmlns:a16="http://schemas.microsoft.com/office/drawing/2014/main" id="{CF4041F0-EC0C-A230-6E2A-31C3036EA170}"/>
+                </a:ext>
+              </a:extLst>
+            </p:cNvPr>
+            <p:cNvPicPr>
+              <a:picLocks noChangeAspect="1"/>
+            </p:cNvPicPr>
+            <p:nvPr/>
+          </p:nvPicPr>
+          <p:blipFill>
+            <a:blip r:embed="rId5"/>
+            <a:stretch>
+              <a:fillRect/>
+            </a:stretch>
+          </p:blipFill>
+          <p:spPr>
+            <a:xfrm>
+              <a:off x="8767055" y="3470904"/>
+              <a:ext cx="1964678" cy="2300591"/>
+            </a:xfrm>
+            <a:prstGeom prst="rect">
+              <a:avLst/>
+            </a:prstGeom>
+          </p:spPr>
+        </p:pic>
+        <p:pic>
+          <p:nvPicPr>
+            <p:cNvPr id="14" name="Picture 13">
+              <a:extLst>
+                <a:ext uri="{FF2B5EF4-FFF2-40B4-BE49-F238E27FC236}">
+                  <a16:creationId xmlns:a16="http://schemas.microsoft.com/office/drawing/2014/main" id="{A49E3B6F-3AAC-44D6-F600-8B0FB4F62C66}"/>
+                </a:ext>
+              </a:extLst>
+            </p:cNvPr>
+            <p:cNvPicPr>
+              <a:picLocks noChangeAspect="1"/>
+            </p:cNvPicPr>
+            <p:nvPr/>
+          </p:nvPicPr>
+          <p:blipFill>
+            <a:blip r:embed="rId6"/>
+            <a:stretch>
+              <a:fillRect/>
+            </a:stretch>
+          </p:blipFill>
+          <p:spPr>
+            <a:xfrm>
+              <a:off x="6844530" y="3486089"/>
+              <a:ext cx="2023990" cy="2285406"/>
+            </a:xfrm>
+            <a:prstGeom prst="rect">
+              <a:avLst/>
+            </a:prstGeom>
+          </p:spPr>
+        </p:pic>
+      </p:grpSp>
+    </p:spTree>
+    <p:extLst>
+      <p:ext uri="{BB962C8B-B14F-4D97-AF65-F5344CB8AC3E}">
+        <p14:creationId xmlns:p14="http://schemas.microsoft.com/office/powerpoint/2010/main" val="3834798615"/>
+      </p:ext>
+    </p:extLst>
+  </p:cSld>
+  <p:clrMapOvr>
+    <a:masterClrMapping/>
+  </p:clrMapOvr>
+</p:sld>
+</file>
+
+<file path=ppt/slides/slide6.xml><?xml version="1.0" encoding="utf-8"?>
+<p:sld xmlns:a="http://schemas.openxmlformats.org/drawingml/2006/main" xmlns:r="http://schemas.openxmlformats.org/officeDocument/2006/relationships" xmlns:p="http://schemas.openxmlformats.org/presentationml/2006/main">
+  <p:cSld>
+    <p:spTree>
+      <p:nvGrpSpPr>
+        <p:cNvPr id="1" name="">
+          <a:extLst>
+            <a:ext uri="{FF2B5EF4-FFF2-40B4-BE49-F238E27FC236}">
+              <a16:creationId xmlns:a16="http://schemas.microsoft.com/office/drawing/2014/main" id="{21807B24-45D0-6049-B9CD-3616990EF035}"/>
+            </a:ext>
+          </a:extLst>
+        </p:cNvPr>
+        <p:cNvGrpSpPr/>
+        <p:nvPr/>
+      </p:nvGrpSpPr>
+      <p:grpSpPr>
+        <a:xfrm>
+          <a:off x="0" y="0"/>
+          <a:ext cx="0" cy="0"/>
+          <a:chOff x="0" y="0"/>
+          <a:chExt cx="0" cy="0"/>
+        </a:xfrm>
+      </p:grpSpPr>
+      <p:sp>
+        <p:nvSpPr>
+          <p:cNvPr id="2" name="Text Placeholder 1">
+            <a:extLst>
+              <a:ext uri="{FF2B5EF4-FFF2-40B4-BE49-F238E27FC236}">
+                <a16:creationId xmlns:a16="http://schemas.microsoft.com/office/drawing/2014/main" id="{C191EDFB-0B9D-59FC-819E-45D10E5328D5}"/>
+              </a:ext>
+            </a:extLst>
+          </p:cNvPr>
+          <p:cNvSpPr>
+            <a:spLocks noGrp="1"/>
+          </p:cNvSpPr>
+          <p:nvPr>
+            <p:ph type="body" idx="16"/>
+          </p:nvPr>
+        </p:nvSpPr>
+        <p:spPr/>
+        <p:txBody>
+          <a:bodyPr/>
+          <a:lstStyle/>
+          <a:p>
+            <a:r>
+              <a:rPr lang="en-US" dirty="0"/>
+              <a:t>Randomized Injection</a:t>
+            </a:r>
+            <a:endParaRPr lang="en-HU" dirty="0"/>
+          </a:p>
+        </p:txBody>
+      </p:sp>
+      <p:sp>
+        <p:nvSpPr>
+          <p:cNvPr id="6" name="Text Placeholder 5">
+            <a:extLst>
+              <a:ext uri="{FF2B5EF4-FFF2-40B4-BE49-F238E27FC236}">
+                <a16:creationId xmlns:a16="http://schemas.microsoft.com/office/drawing/2014/main" id="{0FB1C8C8-9C8A-D488-B868-F244DEA01E36}"/>
+              </a:ext>
+            </a:extLst>
+          </p:cNvPr>
+          <p:cNvSpPr>
+            <a:spLocks noGrp="1"/>
+          </p:cNvSpPr>
+          <p:nvPr>
+            <p:ph type="body" idx="20"/>
+          </p:nvPr>
+        </p:nvSpPr>
+        <p:spPr/>
+        <p:txBody>
+          <a:bodyPr/>
+          <a:lstStyle/>
+          <a:p>
+            <a:endParaRPr lang="en-HU"/>
+          </a:p>
+        </p:txBody>
+      </p:sp>
+      <p:graphicFrame>
+        <p:nvGraphicFramePr>
+          <p:cNvPr id="4" name="Table 3">
+            <a:extLst>
+              <a:ext uri="{FF2B5EF4-FFF2-40B4-BE49-F238E27FC236}">
+                <a16:creationId xmlns:a16="http://schemas.microsoft.com/office/drawing/2014/main" id="{7D9A8CD8-D5DC-E4AD-8714-246A79B9DE34}"/>
+              </a:ext>
+            </a:extLst>
+          </p:cNvPr>
+          <p:cNvGraphicFramePr>
+            <a:graphicFrameLocks noGrp="1"/>
+          </p:cNvGraphicFramePr>
+          <p:nvPr>
+            <p:extLst>
+              <p:ext uri="{D42A27DB-BD31-4B8C-83A1-F6EECF244321}">
+                <p14:modId xmlns:p14="http://schemas.microsoft.com/office/powerpoint/2010/main" val="2138934877"/>
+              </p:ext>
+            </p:extLst>
+          </p:nvPr>
+        </p:nvGraphicFramePr>
+        <p:xfrm>
+          <a:off x="838200" y="1830485"/>
+          <a:ext cx="10515600" cy="3480067"/>
+        </p:xfrm>
+        <a:graphic>
+          <a:graphicData uri="http://schemas.openxmlformats.org/drawingml/2006/table">
+            <a:tbl>
+              <a:tblPr/>
+              <a:tblGrid>
+                <a:gridCol w="808164">
+                  <a:extLst>
+                    <a:ext uri="{9D8B030D-6E8A-4147-A177-3AD203B41FA5}">
+                      <a16:colId xmlns:a16="http://schemas.microsoft.com/office/drawing/2014/main" val="3580539963"/>
+                    </a:ext>
+                  </a:extLst>
+                </a:gridCol>
+                <a:gridCol w="3398076">
+                  <a:extLst>
+                    <a:ext uri="{9D8B030D-6E8A-4147-A177-3AD203B41FA5}">
+                      <a16:colId xmlns:a16="http://schemas.microsoft.com/office/drawing/2014/main" val="1752262900"/>
+                    </a:ext>
+                  </a:extLst>
+                </a:gridCol>
+                <a:gridCol w="2103120">
+                  <a:extLst>
+                    <a:ext uri="{9D8B030D-6E8A-4147-A177-3AD203B41FA5}">
+                      <a16:colId xmlns:a16="http://schemas.microsoft.com/office/drawing/2014/main" val="808131755"/>
+                    </a:ext>
+                  </a:extLst>
+                </a:gridCol>
+                <a:gridCol w="2103120">
+                  <a:extLst>
+                    <a:ext uri="{9D8B030D-6E8A-4147-A177-3AD203B41FA5}">
+                      <a16:colId xmlns:a16="http://schemas.microsoft.com/office/drawing/2014/main" val="641345387"/>
+                    </a:ext>
+                  </a:extLst>
+                </a:gridCol>
+                <a:gridCol w="2103120">
+                  <a:extLst>
+                    <a:ext uri="{9D8B030D-6E8A-4147-A177-3AD203B41FA5}">
+                      <a16:colId xmlns:a16="http://schemas.microsoft.com/office/drawing/2014/main" val="1528192510"/>
+                    </a:ext>
+                  </a:extLst>
+                </a:gridCol>
+              </a:tblGrid>
+              <a:tr h="770340">
+                <a:tc>
+                  <a:txBody>
+                    <a:bodyPr/>
+                    <a:lstStyle/>
+                    <a:p>
+                      <a:pPr algn="l"/>
+                      <a:br>
+                        <a:rPr lang="en-GB" sz="1600" b="1" dirty="0">
+                          <a:effectLst/>
+                        </a:rPr>
+                      </a:br>
+                      <a:endParaRPr lang="en-GB" sz="1600" b="1" dirty="0">
+                        <a:effectLst/>
+                      </a:endParaRPr>
+                    </a:p>
+                  </a:txBody>
+                  <a:tcPr anchor="ctr">
+                    <a:lnL w="12700" cap="flat" cmpd="sng" algn="ctr">
+                      <a:solidFill>
+                        <a:schemeClr val="tx1"/>
+                      </a:solidFill>
+                      <a:prstDash val="solid"/>
+                      <a:round/>
+                      <a:headEnd type="none" w="med" len="med"/>
+                      <a:tailEnd type="none" w="med" len="med"/>
+                    </a:lnL>
+                    <a:lnR w="12700" cap="flat" cmpd="sng" algn="ctr">
+                      <a:solidFill>
+                        <a:schemeClr val="tx1"/>
+                      </a:solidFill>
+                      <a:prstDash val="solid"/>
+                      <a:round/>
+                      <a:headEnd type="none" w="med" len="med"/>
+                      <a:tailEnd type="none" w="med" len="med"/>
+                    </a:lnR>
+                    <a:lnT w="12700" cap="flat" cmpd="sng" algn="ctr">
+                      <a:solidFill>
+                        <a:schemeClr val="tx1"/>
+                      </a:solidFill>
+                      <a:prstDash val="solid"/>
+                      <a:round/>
+                      <a:headEnd type="none" w="med" len="med"/>
+                      <a:tailEnd type="none" w="med" len="med"/>
+                    </a:lnT>
+                    <a:lnB w="12700" cap="flat" cmpd="sng" algn="ctr">
+                      <a:solidFill>
+                        <a:schemeClr val="tx1"/>
+                      </a:solidFill>
+                      <a:prstDash val="solid"/>
+                      <a:round/>
+                      <a:headEnd type="none" w="med" len="med"/>
+                      <a:tailEnd type="none" w="med" len="med"/>
+                    </a:lnB>
+                    <a:lnTlToBr w="12700" cmpd="sng">
+                      <a:noFill/>
+                      <a:prstDash val="solid"/>
+                    </a:lnTlToBr>
+                    <a:lnBlToTr w="12700" cmpd="sng">
+                      <a:noFill/>
+                      <a:prstDash val="solid"/>
+                    </a:lnBlToTr>
+                    <a:noFill/>
+                  </a:tcPr>
+                </a:tc>
+                <a:tc>
+                  <a:txBody>
+                    <a:bodyPr/>
+                    <a:lstStyle/>
+                    <a:p>
+                      <a:pPr algn="l"/>
+                      <a:r>
+                        <a:rPr lang="en-GB" sz="1600" b="1" dirty="0">
+                          <a:effectLst/>
+                        </a:rPr>
+                        <a:t>Noisy</a:t>
+                      </a:r>
+                    </a:p>
+                  </a:txBody>
+                  <a:tcPr anchor="ctr">
+                    <a:lnL w="12700" cap="flat" cmpd="sng" algn="ctr">
+                      <a:solidFill>
+                        <a:schemeClr val="tx1"/>
+                      </a:solidFill>
+                      <a:prstDash val="solid"/>
+                      <a:round/>
+                      <a:headEnd type="none" w="med" len="med"/>
+                      <a:tailEnd type="none" w="med" len="med"/>
+                    </a:lnL>
+                    <a:lnR w="12700" cap="flat" cmpd="sng" algn="ctr">
+                      <a:solidFill>
+                        <a:schemeClr val="tx1"/>
+                      </a:solidFill>
+                      <a:prstDash val="solid"/>
+                      <a:round/>
+                      <a:headEnd type="none" w="med" len="med"/>
+                      <a:tailEnd type="none" w="med" len="med"/>
+                    </a:lnR>
+                    <a:lnT w="12700" cap="flat" cmpd="sng" algn="ctr">
+                      <a:solidFill>
+                        <a:schemeClr val="tx1"/>
+                      </a:solidFill>
+                      <a:prstDash val="solid"/>
+                      <a:round/>
+                      <a:headEnd type="none" w="med" len="med"/>
+                      <a:tailEnd type="none" w="med" len="med"/>
+                    </a:lnT>
+                    <a:lnB w="12700" cap="flat" cmpd="sng" algn="ctr">
+                      <a:solidFill>
+                        <a:schemeClr val="tx1"/>
+                      </a:solidFill>
+                      <a:prstDash val="solid"/>
+                      <a:round/>
+                      <a:headEnd type="none" w="med" len="med"/>
+                      <a:tailEnd type="none" w="med" len="med"/>
+                    </a:lnB>
+                    <a:lnTlToBr w="12700" cmpd="sng">
+                      <a:noFill/>
+                      <a:prstDash val="solid"/>
+                    </a:lnTlToBr>
+                    <a:lnBlToTr w="12700" cmpd="sng">
+                      <a:noFill/>
+                      <a:prstDash val="solid"/>
+                    </a:lnBlToTr>
+                    <a:noFill/>
+                  </a:tcPr>
+                </a:tc>
+                <a:tc>
+                  <a:txBody>
+                    <a:bodyPr/>
+                    <a:lstStyle/>
+                    <a:p>
+                      <a:pPr algn="l"/>
+                      <a:r>
+                        <a:rPr lang="en-GB" sz="1600" b="1" dirty="0">
+                          <a:effectLst/>
+                        </a:rPr>
+                        <a:t>Uniform</a:t>
+                      </a:r>
+                    </a:p>
+                  </a:txBody>
+                  <a:tcPr anchor="ctr">
+                    <a:lnL w="12700" cap="flat" cmpd="sng" algn="ctr">
+                      <a:solidFill>
+                        <a:schemeClr val="tx1"/>
+                      </a:solidFill>
+                      <a:prstDash val="solid"/>
+                      <a:round/>
+                      <a:headEnd type="none" w="med" len="med"/>
+                      <a:tailEnd type="none" w="med" len="med"/>
+                    </a:lnL>
+                    <a:lnR w="12700" cap="flat" cmpd="sng" algn="ctr">
+                      <a:solidFill>
+                        <a:schemeClr val="tx1"/>
+                      </a:solidFill>
+                      <a:prstDash val="solid"/>
+                      <a:round/>
+                      <a:headEnd type="none" w="med" len="med"/>
+                      <a:tailEnd type="none" w="med" len="med"/>
+                    </a:lnR>
+                    <a:lnT w="12700" cap="flat" cmpd="sng" algn="ctr">
+                      <a:solidFill>
+                        <a:schemeClr val="tx1"/>
+                      </a:solidFill>
+                      <a:prstDash val="solid"/>
+                      <a:round/>
+                      <a:headEnd type="none" w="med" len="med"/>
+                      <a:tailEnd type="none" w="med" len="med"/>
+                    </a:lnT>
+                    <a:lnB w="12700" cap="flat" cmpd="sng" algn="ctr">
+                      <a:solidFill>
+                        <a:schemeClr val="tx1"/>
+                      </a:solidFill>
+                      <a:prstDash val="solid"/>
+                      <a:round/>
+                      <a:headEnd type="none" w="med" len="med"/>
+                      <a:tailEnd type="none" w="med" len="med"/>
+                    </a:lnB>
+                    <a:lnTlToBr w="12700" cmpd="sng">
+                      <a:noFill/>
+                      <a:prstDash val="solid"/>
+                    </a:lnTlToBr>
+                    <a:lnBlToTr w="12700" cmpd="sng">
+                      <a:noFill/>
+                      <a:prstDash val="solid"/>
+                    </a:lnBlToTr>
+                    <a:noFill/>
+                  </a:tcPr>
+                </a:tc>
+                <a:tc>
+                  <a:txBody>
+                    <a:bodyPr/>
+                    <a:lstStyle/>
+                    <a:p>
+                      <a:pPr algn="l"/>
+                      <a:r>
+                        <a:rPr lang="en-GB" sz="1600" b="1" dirty="0">
+                          <a:effectLst/>
+                        </a:rPr>
+                        <a:t>Subtle</a:t>
+                      </a:r>
+                    </a:p>
+                  </a:txBody>
+                  <a:tcPr anchor="ctr">
+                    <a:lnL w="12700" cap="flat" cmpd="sng" algn="ctr">
+                      <a:solidFill>
+                        <a:schemeClr val="tx1"/>
+                      </a:solidFill>
+                      <a:prstDash val="solid"/>
+                      <a:round/>
+                      <a:headEnd type="none" w="med" len="med"/>
+                      <a:tailEnd type="none" w="med" len="med"/>
+                    </a:lnL>
+                    <a:lnR w="12700" cap="flat" cmpd="sng" algn="ctr">
+                      <a:solidFill>
+                        <a:schemeClr val="tx1"/>
+                      </a:solidFill>
+                      <a:prstDash val="solid"/>
+                      <a:round/>
+                      <a:headEnd type="none" w="med" len="med"/>
+                      <a:tailEnd type="none" w="med" len="med"/>
+                    </a:lnR>
+                    <a:lnT w="12700" cap="flat" cmpd="sng" algn="ctr">
+                      <a:solidFill>
+                        <a:schemeClr val="tx1"/>
+                      </a:solidFill>
+                      <a:prstDash val="solid"/>
+                      <a:round/>
+                      <a:headEnd type="none" w="med" len="med"/>
+                      <a:tailEnd type="none" w="med" len="med"/>
+                    </a:lnT>
+                    <a:lnB w="12700" cap="flat" cmpd="sng" algn="ctr">
+                      <a:solidFill>
+                        <a:schemeClr val="tx1"/>
+                      </a:solidFill>
+                      <a:prstDash val="solid"/>
+                      <a:round/>
+                      <a:headEnd type="none" w="med" len="med"/>
+                      <a:tailEnd type="none" w="med" len="med"/>
+                    </a:lnB>
+                    <a:lnTlToBr w="12700" cmpd="sng">
+                      <a:noFill/>
+                      <a:prstDash val="solid"/>
+                    </a:lnTlToBr>
+                    <a:lnBlToTr w="12700" cmpd="sng">
+                      <a:noFill/>
+                      <a:prstDash val="solid"/>
+                    </a:lnBlToTr>
+                    <a:noFill/>
+                  </a:tcPr>
+                </a:tc>
+                <a:tc>
+                  <a:txBody>
+                    <a:bodyPr/>
+                    <a:lstStyle/>
+                    <a:p>
+                      <a:pPr algn="l"/>
+                      <a:r>
+                        <a:rPr lang="en-GB" sz="1600" b="1" dirty="0">
+                          <a:effectLst/>
+                        </a:rPr>
+                        <a:t>Shuffled</a:t>
+                      </a:r>
+                      <a:endParaRPr lang="en-HU" sz="1600" dirty="0"/>
+                    </a:p>
+                  </a:txBody>
+                  <a:tcPr anchor="ctr">
+                    <a:lnL w="12700" cap="flat" cmpd="sng" algn="ctr">
+                      <a:solidFill>
+                        <a:schemeClr val="tx1"/>
+                      </a:solidFill>
+                      <a:prstDash val="solid"/>
+                      <a:round/>
+                      <a:headEnd type="none" w="med" len="med"/>
+                      <a:tailEnd type="none" w="med" len="med"/>
+                    </a:lnL>
+                    <a:lnR w="12700" cap="flat" cmpd="sng" algn="ctr">
+                      <a:solidFill>
+                        <a:schemeClr val="tx1"/>
+                      </a:solidFill>
+                      <a:prstDash val="solid"/>
+                      <a:round/>
+                      <a:headEnd type="none" w="med" len="med"/>
+                      <a:tailEnd type="none" w="med" len="med"/>
+                    </a:lnR>
+                    <a:lnT w="12700" cap="flat" cmpd="sng" algn="ctr">
+                      <a:solidFill>
+                        <a:schemeClr val="tx1"/>
+                      </a:solidFill>
+                      <a:prstDash val="solid"/>
+                      <a:round/>
+                      <a:headEnd type="none" w="med" len="med"/>
+                      <a:tailEnd type="none" w="med" len="med"/>
+                    </a:lnT>
+                    <a:lnB w="12700" cap="flat" cmpd="sng" algn="ctr">
+                      <a:solidFill>
+                        <a:schemeClr val="tx1"/>
+                      </a:solidFill>
+                      <a:prstDash val="solid"/>
+                      <a:round/>
+                      <a:headEnd type="none" w="med" len="med"/>
+                      <a:tailEnd type="none" w="med" len="med"/>
+                    </a:lnB>
+                    <a:lnTlToBr w="12700" cmpd="sng">
+                      <a:noFill/>
+                      <a:prstDash val="solid"/>
+                    </a:lnTlToBr>
+                    <a:lnBlToTr w="12700" cmpd="sng">
+                      <a:noFill/>
+                      <a:prstDash val="solid"/>
+                    </a:lnBlToTr>
+                  </a:tcPr>
+                </a:tc>
+                <a:extLst>
+                  <a:ext uri="{0D108BD9-81ED-4DB2-BD59-A6C34878D82A}">
+                    <a16:rowId xmlns:a16="http://schemas.microsoft.com/office/drawing/2014/main" val="4209961453"/>
+                  </a:ext>
+                </a:extLst>
+              </a:tr>
+              <a:tr h="1760776">
+                <a:tc>
+                  <a:txBody>
+                    <a:bodyPr/>
+                    <a:lstStyle/>
+                    <a:p>
+                      <a:pPr algn="l" fontAlgn="ctr"/>
+                      <a:r>
+                        <a:rPr lang="en-GB" sz="1600" b="1" dirty="0">
+                          <a:effectLst/>
+                        </a:rPr>
+                        <a:t>Pros</a:t>
+                      </a:r>
+                    </a:p>
+                  </a:txBody>
+                  <a:tcPr anchor="ctr">
+                    <a:lnL w="12700" cap="flat" cmpd="sng" algn="ctr">
+                      <a:solidFill>
+                        <a:schemeClr val="tx1"/>
+                      </a:solidFill>
+                      <a:prstDash val="solid"/>
+                      <a:round/>
+                      <a:headEnd type="none" w="med" len="med"/>
+                      <a:tailEnd type="none" w="med" len="med"/>
+                    </a:lnL>
+                    <a:lnR w="12700" cap="flat" cmpd="sng" algn="ctr">
+                      <a:solidFill>
+                        <a:schemeClr val="tx1"/>
+                      </a:solidFill>
+                      <a:prstDash val="solid"/>
+                      <a:round/>
+                      <a:headEnd type="none" w="med" len="med"/>
+                      <a:tailEnd type="none" w="med" len="med"/>
+                    </a:lnR>
+                    <a:lnT w="12700" cap="flat" cmpd="sng" algn="ctr">
+                      <a:solidFill>
+                        <a:schemeClr val="tx1"/>
+                      </a:solidFill>
+                      <a:prstDash val="solid"/>
+                      <a:round/>
+                      <a:headEnd type="none" w="med" len="med"/>
+                      <a:tailEnd type="none" w="med" len="med"/>
+                    </a:lnT>
+                    <a:lnB w="12700" cap="flat" cmpd="sng" algn="ctr">
+                      <a:solidFill>
+                        <a:schemeClr val="tx1"/>
+                      </a:solidFill>
+                      <a:prstDash val="solid"/>
+                      <a:round/>
+                      <a:headEnd type="none" w="med" len="med"/>
+                      <a:tailEnd type="none" w="med" len="med"/>
+                    </a:lnB>
+                    <a:lnTlToBr w="12700" cmpd="sng">
+                      <a:noFill/>
+                      <a:prstDash val="solid"/>
+                    </a:lnTlToBr>
+                    <a:lnBlToTr w="12700" cmpd="sng">
+                      <a:noFill/>
+                      <a:prstDash val="solid"/>
+                    </a:lnBlToTr>
+                    <a:noFill/>
+                  </a:tcPr>
+                </a:tc>
+                <a:tc>
+                  <a:txBody>
+                    <a:bodyPr/>
+                    <a:lstStyle/>
+                    <a:p>
+                      <a:pPr marL="0" indent="0" algn="l">
+                        <a:buFontTx/>
+                        <a:buNone/>
+                      </a:pPr>
+                      <a:r>
+                        <a:rPr lang="en-GB" sz="1600" dirty="0">
+                          <a:effectLst/>
+                        </a:rPr>
+                        <a:t>M</a:t>
+                      </a:r>
+                      <a:r>
+                        <a:rPr lang="en-HU" sz="1600" dirty="0">
+                          <a:effectLst/>
+                        </a:rPr>
+                        <a:t>akes clusters fuzzy</a:t>
+                      </a:r>
+                    </a:p>
+                    <a:p>
+                      <a:pPr marL="0" indent="0" algn="l">
+                        <a:buFontTx/>
+                        <a:buNone/>
+                      </a:pPr>
+                      <a:r>
+                        <a:rPr lang="en-HU" sz="1600" dirty="0">
+                          <a:effectLst/>
+                        </a:rPr>
+                        <a:t>Reduces cluster boundaries</a:t>
+                      </a:r>
+                    </a:p>
+                  </a:txBody>
+                  <a:tcPr anchor="ctr">
+                    <a:lnL w="12700" cap="flat" cmpd="sng" algn="ctr">
+                      <a:solidFill>
+                        <a:schemeClr val="tx1"/>
+                      </a:solidFill>
+                      <a:prstDash val="solid"/>
+                      <a:round/>
+                      <a:headEnd type="none" w="med" len="med"/>
+                      <a:tailEnd type="none" w="med" len="med"/>
+                    </a:lnL>
+                    <a:lnR w="12700" cap="flat" cmpd="sng" algn="ctr">
+                      <a:solidFill>
+                        <a:schemeClr val="tx1"/>
+                      </a:solidFill>
+                      <a:prstDash val="solid"/>
+                      <a:round/>
+                      <a:headEnd type="none" w="med" len="med"/>
+                      <a:tailEnd type="none" w="med" len="med"/>
+                    </a:lnR>
+                    <a:lnT w="12700" cap="flat" cmpd="sng" algn="ctr">
+                      <a:solidFill>
+                        <a:schemeClr val="tx1"/>
+                      </a:solidFill>
+                      <a:prstDash val="solid"/>
+                      <a:round/>
+                      <a:headEnd type="none" w="med" len="med"/>
+                      <a:tailEnd type="none" w="med" len="med"/>
+                    </a:lnT>
+                    <a:lnB w="12700" cap="flat" cmpd="sng" algn="ctr">
+                      <a:solidFill>
+                        <a:schemeClr val="tx1"/>
+                      </a:solidFill>
+                      <a:prstDash val="solid"/>
+                      <a:round/>
+                      <a:headEnd type="none" w="med" len="med"/>
+                      <a:tailEnd type="none" w="med" len="med"/>
+                    </a:lnB>
+                    <a:lnTlToBr w="12700" cmpd="sng">
+                      <a:noFill/>
+                      <a:prstDash val="solid"/>
+                    </a:lnTlToBr>
+                    <a:lnBlToTr w="12700" cmpd="sng">
+                      <a:noFill/>
+                      <a:prstDash val="solid"/>
+                    </a:lnBlToTr>
+                    <a:noFill/>
+                  </a:tcPr>
+                </a:tc>
+                <a:tc>
+                  <a:txBody>
+                    <a:bodyPr/>
+                    <a:lstStyle/>
+                    <a:p>
+                      <a:pPr algn="l"/>
+                      <a:r>
+                        <a:rPr lang="en-HU" sz="1600" dirty="0">
+                          <a:effectLst/>
+                        </a:rPr>
+                        <a:t>Creates extreme values</a:t>
+                      </a:r>
+                    </a:p>
+                  </a:txBody>
+                  <a:tcPr anchor="ctr">
+                    <a:lnL w="12700" cap="flat" cmpd="sng" algn="ctr">
+                      <a:solidFill>
+                        <a:schemeClr val="tx1"/>
+                      </a:solidFill>
+                      <a:prstDash val="solid"/>
+                      <a:round/>
+                      <a:headEnd type="none" w="med" len="med"/>
+                      <a:tailEnd type="none" w="med" len="med"/>
+                    </a:lnL>
+                    <a:lnR w="12700" cap="flat" cmpd="sng" algn="ctr">
+                      <a:solidFill>
+                        <a:schemeClr val="tx1"/>
+                      </a:solidFill>
+                      <a:prstDash val="solid"/>
+                      <a:round/>
+                      <a:headEnd type="none" w="med" len="med"/>
+                      <a:tailEnd type="none" w="med" len="med"/>
+                    </a:lnR>
+                    <a:lnT w="12700" cap="flat" cmpd="sng" algn="ctr">
+                      <a:solidFill>
+                        <a:schemeClr val="tx1"/>
+                      </a:solidFill>
+                      <a:prstDash val="solid"/>
+                      <a:round/>
+                      <a:headEnd type="none" w="med" len="med"/>
+                      <a:tailEnd type="none" w="med" len="med"/>
+                    </a:lnT>
+                    <a:lnB w="12700" cap="flat" cmpd="sng" algn="ctr">
+                      <a:solidFill>
+                        <a:schemeClr val="tx1"/>
+                      </a:solidFill>
+                      <a:prstDash val="solid"/>
+                      <a:round/>
+                      <a:headEnd type="none" w="med" len="med"/>
+                      <a:tailEnd type="none" w="med" len="med"/>
+                    </a:lnB>
+                    <a:lnTlToBr w="12700" cmpd="sng">
+                      <a:noFill/>
+                      <a:prstDash val="solid"/>
+                    </a:lnTlToBr>
+                    <a:lnBlToTr w="12700" cmpd="sng">
+                      <a:noFill/>
+                      <a:prstDash val="solid"/>
+                    </a:lnBlToTr>
+                    <a:noFill/>
+                  </a:tcPr>
+                </a:tc>
+                <a:tc>
+                  <a:txBody>
+                    <a:bodyPr/>
+                    <a:lstStyle/>
+                    <a:p>
+                      <a:pPr marL="0" indent="0" algn="l">
+                        <a:buFontTx/>
+                        <a:buNone/>
+                      </a:pPr>
+                      <a:r>
+                        <a:rPr lang="en-HU" sz="1600" dirty="0">
+                          <a:effectLst/>
+                        </a:rPr>
+                        <a:t>Hard to detect</a:t>
+                      </a:r>
+                    </a:p>
+                  </a:txBody>
+                  <a:tcPr anchor="ctr">
+                    <a:lnL w="12700" cap="flat" cmpd="sng" algn="ctr">
+                      <a:solidFill>
+                        <a:schemeClr val="tx1"/>
+                      </a:solidFill>
+                      <a:prstDash val="solid"/>
+                      <a:round/>
+                      <a:headEnd type="none" w="med" len="med"/>
+                      <a:tailEnd type="none" w="med" len="med"/>
+                    </a:lnL>
+                    <a:lnR w="12700" cap="flat" cmpd="sng" algn="ctr">
+                      <a:solidFill>
+                        <a:schemeClr val="tx1"/>
+                      </a:solidFill>
+                      <a:prstDash val="solid"/>
+                      <a:round/>
+                      <a:headEnd type="none" w="med" len="med"/>
+                      <a:tailEnd type="none" w="med" len="med"/>
+                    </a:lnR>
+                    <a:lnT w="12700" cap="flat" cmpd="sng" algn="ctr">
+                      <a:solidFill>
+                        <a:schemeClr val="tx1"/>
+                      </a:solidFill>
+                      <a:prstDash val="solid"/>
+                      <a:round/>
+                      <a:headEnd type="none" w="med" len="med"/>
+                      <a:tailEnd type="none" w="med" len="med"/>
+                    </a:lnT>
+                    <a:lnB w="12700" cap="flat" cmpd="sng" algn="ctr">
+                      <a:solidFill>
+                        <a:schemeClr val="tx1"/>
+                      </a:solidFill>
+                      <a:prstDash val="solid"/>
+                      <a:round/>
+                      <a:headEnd type="none" w="med" len="med"/>
+                      <a:tailEnd type="none" w="med" len="med"/>
+                    </a:lnB>
+                    <a:lnTlToBr w="12700" cmpd="sng">
+                      <a:noFill/>
+                      <a:prstDash val="solid"/>
+                    </a:lnTlToBr>
+                    <a:lnBlToTr w="12700" cmpd="sng">
+                      <a:noFill/>
+                      <a:prstDash val="solid"/>
+                    </a:lnBlToTr>
+                    <a:noFill/>
+                  </a:tcPr>
+                </a:tc>
+                <a:tc>
+                  <a:txBody>
+                    <a:bodyPr/>
+                    <a:lstStyle/>
+                    <a:p>
+                      <a:pPr algn="l"/>
+                      <a:r>
+                        <a:rPr lang="en-HU" sz="1600" dirty="0">
+                          <a:effectLst/>
+                        </a:rPr>
+                        <a:t>Greatly disturbs the data</a:t>
+                      </a:r>
+                    </a:p>
+                  </a:txBody>
+                  <a:tcPr anchor="ctr">
+                    <a:lnL w="12700" cap="flat" cmpd="sng" algn="ctr">
+                      <a:solidFill>
+                        <a:schemeClr val="tx1"/>
+                      </a:solidFill>
+                      <a:prstDash val="solid"/>
+                      <a:round/>
+                      <a:headEnd type="none" w="med" len="med"/>
+                      <a:tailEnd type="none" w="med" len="med"/>
+                    </a:lnL>
+                    <a:lnR w="12700" cap="flat" cmpd="sng" algn="ctr">
+                      <a:solidFill>
+                        <a:schemeClr val="tx1"/>
+                      </a:solidFill>
+                      <a:prstDash val="solid"/>
+                      <a:round/>
+                      <a:headEnd type="none" w="med" len="med"/>
+                      <a:tailEnd type="none" w="med" len="med"/>
+                    </a:lnR>
+                    <a:lnT w="12700" cap="flat" cmpd="sng" algn="ctr">
+                      <a:solidFill>
+                        <a:schemeClr val="tx1"/>
+                      </a:solidFill>
+                      <a:prstDash val="solid"/>
+                      <a:round/>
+                      <a:headEnd type="none" w="med" len="med"/>
+                      <a:tailEnd type="none" w="med" len="med"/>
+                    </a:lnT>
+                    <a:lnB w="12700" cap="flat" cmpd="sng" algn="ctr">
+                      <a:solidFill>
+                        <a:schemeClr val="tx1"/>
+                      </a:solidFill>
+                      <a:prstDash val="solid"/>
+                      <a:round/>
+                      <a:headEnd type="none" w="med" len="med"/>
+                      <a:tailEnd type="none" w="med" len="med"/>
+                    </a:lnB>
+                    <a:lnTlToBr w="12700" cmpd="sng">
+                      <a:noFill/>
+                      <a:prstDash val="solid"/>
+                    </a:lnTlToBr>
+                    <a:lnBlToTr w="12700" cmpd="sng">
+                      <a:noFill/>
+                      <a:prstDash val="solid"/>
+                    </a:lnBlToTr>
+                    <a:noFill/>
+                  </a:tcPr>
+                </a:tc>
+                <a:extLst>
+                  <a:ext uri="{0D108BD9-81ED-4DB2-BD59-A6C34878D82A}">
+                    <a16:rowId xmlns:a16="http://schemas.microsoft.com/office/drawing/2014/main" val="3828876444"/>
+                  </a:ext>
+                </a:extLst>
+              </a:tr>
+              <a:tr h="948951">
+                <a:tc>
+                  <a:txBody>
+                    <a:bodyPr/>
+                    <a:lstStyle/>
+                    <a:p>
+                      <a:pPr algn="l" fontAlgn="ctr"/>
+                      <a:r>
+                        <a:rPr lang="en-GB" sz="1600" b="1" dirty="0">
+                          <a:effectLst/>
+                        </a:rPr>
+                        <a:t>Cons</a:t>
+                      </a:r>
+                    </a:p>
+                  </a:txBody>
+                  <a:tcPr anchor="ctr">
+                    <a:lnL w="12700" cap="flat" cmpd="sng" algn="ctr">
+                      <a:solidFill>
+                        <a:schemeClr val="tx1"/>
+                      </a:solidFill>
+                      <a:prstDash val="solid"/>
+                      <a:round/>
+                      <a:headEnd type="none" w="med" len="med"/>
+                      <a:tailEnd type="none" w="med" len="med"/>
+                    </a:lnL>
+                    <a:lnR w="12700" cap="flat" cmpd="sng" algn="ctr">
+                      <a:solidFill>
+                        <a:schemeClr val="tx1"/>
+                      </a:solidFill>
+                      <a:prstDash val="solid"/>
+                      <a:round/>
+                      <a:headEnd type="none" w="med" len="med"/>
+                      <a:tailEnd type="none" w="med" len="med"/>
+                    </a:lnR>
+                    <a:lnT w="12700" cap="flat" cmpd="sng" algn="ctr">
+                      <a:solidFill>
+                        <a:schemeClr val="tx1"/>
+                      </a:solidFill>
+                      <a:prstDash val="solid"/>
+                      <a:round/>
+                      <a:headEnd type="none" w="med" len="med"/>
+                      <a:tailEnd type="none" w="med" len="med"/>
+                    </a:lnT>
+                    <a:lnB w="12700" cap="flat" cmpd="sng" algn="ctr">
+                      <a:solidFill>
+                        <a:schemeClr val="tx1"/>
+                      </a:solidFill>
+                      <a:prstDash val="solid"/>
+                      <a:round/>
+                      <a:headEnd type="none" w="med" len="med"/>
+                      <a:tailEnd type="none" w="med" len="med"/>
+                    </a:lnB>
+                    <a:lnTlToBr w="12700" cmpd="sng">
+                      <a:noFill/>
+                      <a:prstDash val="solid"/>
+                    </a:lnTlToBr>
+                    <a:lnBlToTr w="12700" cmpd="sng">
+                      <a:noFill/>
+                      <a:prstDash val="solid"/>
+                    </a:lnBlToTr>
+                    <a:noFill/>
+                  </a:tcPr>
+                </a:tc>
+                <a:tc>
+                  <a:txBody>
+                    <a:bodyPr/>
+                    <a:lstStyle/>
+                    <a:p>
+                      <a:pPr algn="l"/>
+                      <a:r>
+                        <a:rPr lang="en-HU" sz="1600" dirty="0">
+                          <a:effectLst/>
+                        </a:rPr>
+                        <a:t>Varied success due to randomization</a:t>
+                      </a:r>
+                    </a:p>
+                  </a:txBody>
+                  <a:tcPr anchor="ctr">
+                    <a:lnL w="12700" cap="flat" cmpd="sng" algn="ctr">
+                      <a:solidFill>
+                        <a:schemeClr val="tx1"/>
+                      </a:solidFill>
+                      <a:prstDash val="solid"/>
+                      <a:round/>
+                      <a:headEnd type="none" w="med" len="med"/>
+                      <a:tailEnd type="none" w="med" len="med"/>
+                    </a:lnL>
+                    <a:lnR w="12700" cap="flat" cmpd="sng" algn="ctr">
+                      <a:solidFill>
+                        <a:schemeClr val="tx1"/>
+                      </a:solidFill>
+                      <a:prstDash val="solid"/>
+                      <a:round/>
+                      <a:headEnd type="none" w="med" len="med"/>
+                      <a:tailEnd type="none" w="med" len="med"/>
+                    </a:lnR>
+                    <a:lnT w="12700" cap="flat" cmpd="sng" algn="ctr">
+                      <a:solidFill>
+                        <a:schemeClr val="tx1"/>
+                      </a:solidFill>
+                      <a:prstDash val="solid"/>
+                      <a:round/>
+                      <a:headEnd type="none" w="med" len="med"/>
+                      <a:tailEnd type="none" w="med" len="med"/>
+                    </a:lnT>
+                    <a:lnB w="12700" cap="flat" cmpd="sng" algn="ctr">
+                      <a:solidFill>
+                        <a:schemeClr val="tx1"/>
+                      </a:solidFill>
+                      <a:prstDash val="solid"/>
+                      <a:round/>
+                      <a:headEnd type="none" w="med" len="med"/>
+                      <a:tailEnd type="none" w="med" len="med"/>
+                    </a:lnB>
+                    <a:lnTlToBr w="12700" cmpd="sng">
+                      <a:noFill/>
+                      <a:prstDash val="solid"/>
+                    </a:lnTlToBr>
+                    <a:lnBlToTr w="12700" cmpd="sng">
+                      <a:noFill/>
+                      <a:prstDash val="solid"/>
+                    </a:lnBlToTr>
+                    <a:noFill/>
+                  </a:tcPr>
+                </a:tc>
+                <a:tc>
+                  <a:txBody>
+                    <a:bodyPr/>
+                    <a:lstStyle/>
+                    <a:p>
+                      <a:pPr algn="l"/>
+                      <a:r>
+                        <a:rPr lang="en-HU" sz="1600" dirty="0">
+                          <a:effectLst/>
+                        </a:rPr>
+                        <a:t>Easy to detect</a:t>
+                      </a:r>
+                    </a:p>
+                  </a:txBody>
+                  <a:tcPr anchor="ctr">
+                    <a:lnL w="12700" cap="flat" cmpd="sng" algn="ctr">
+                      <a:solidFill>
+                        <a:schemeClr val="tx1"/>
+                      </a:solidFill>
+                      <a:prstDash val="solid"/>
+                      <a:round/>
+                      <a:headEnd type="none" w="med" len="med"/>
+                      <a:tailEnd type="none" w="med" len="med"/>
+                    </a:lnL>
+                    <a:lnR w="12700" cap="flat" cmpd="sng" algn="ctr">
+                      <a:solidFill>
+                        <a:schemeClr val="tx1"/>
+                      </a:solidFill>
+                      <a:prstDash val="solid"/>
+                      <a:round/>
+                      <a:headEnd type="none" w="med" len="med"/>
+                      <a:tailEnd type="none" w="med" len="med"/>
+                    </a:lnR>
+                    <a:lnT w="12700" cap="flat" cmpd="sng" algn="ctr">
+                      <a:solidFill>
+                        <a:schemeClr val="tx1"/>
+                      </a:solidFill>
+                      <a:prstDash val="solid"/>
+                      <a:round/>
+                      <a:headEnd type="none" w="med" len="med"/>
+                      <a:tailEnd type="none" w="med" len="med"/>
+                    </a:lnT>
+                    <a:lnB w="12700" cap="flat" cmpd="sng" algn="ctr">
+                      <a:solidFill>
+                        <a:schemeClr val="tx1"/>
+                      </a:solidFill>
+                      <a:prstDash val="solid"/>
+                      <a:round/>
+                      <a:headEnd type="none" w="med" len="med"/>
+                      <a:tailEnd type="none" w="med" len="med"/>
+                    </a:lnB>
+                    <a:lnTlToBr w="12700" cmpd="sng">
+                      <a:noFill/>
+                      <a:prstDash val="solid"/>
+                    </a:lnTlToBr>
+                    <a:lnBlToTr w="12700" cmpd="sng">
+                      <a:noFill/>
+                      <a:prstDash val="solid"/>
+                    </a:lnBlToTr>
+                    <a:noFill/>
+                  </a:tcPr>
+                </a:tc>
+                <a:tc>
+                  <a:txBody>
+                    <a:bodyPr/>
+                    <a:lstStyle/>
+                    <a:p>
+                      <a:pPr algn="l"/>
+                      <a:r>
+                        <a:rPr lang="en-HU" sz="1600" dirty="0">
+                          <a:effectLst/>
+                        </a:rPr>
+                        <a:t>Needs a lot of injected data to cause mass disruption</a:t>
+                      </a:r>
+                    </a:p>
+                  </a:txBody>
+                  <a:tcPr anchor="ctr">
+                    <a:lnL w="12700" cap="flat" cmpd="sng" algn="ctr">
+                      <a:solidFill>
+                        <a:schemeClr val="tx1"/>
+                      </a:solidFill>
+                      <a:prstDash val="solid"/>
+                      <a:round/>
+                      <a:headEnd type="none" w="med" len="med"/>
+                      <a:tailEnd type="none" w="med" len="med"/>
+                    </a:lnL>
+                    <a:lnR w="12700" cap="flat" cmpd="sng" algn="ctr">
+                      <a:solidFill>
+                        <a:schemeClr val="tx1"/>
+                      </a:solidFill>
+                      <a:prstDash val="solid"/>
+                      <a:round/>
+                      <a:headEnd type="none" w="med" len="med"/>
+                      <a:tailEnd type="none" w="med" len="med"/>
+                    </a:lnR>
+                    <a:lnT w="12700" cap="flat" cmpd="sng" algn="ctr">
+                      <a:solidFill>
+                        <a:schemeClr val="tx1"/>
+                      </a:solidFill>
+                      <a:prstDash val="solid"/>
+                      <a:round/>
+                      <a:headEnd type="none" w="med" len="med"/>
+                      <a:tailEnd type="none" w="med" len="med"/>
+                    </a:lnT>
+                    <a:lnB w="12700" cap="flat" cmpd="sng" algn="ctr">
+                      <a:solidFill>
+                        <a:schemeClr val="tx1"/>
+                      </a:solidFill>
+                      <a:prstDash val="solid"/>
+                      <a:round/>
+                      <a:headEnd type="none" w="med" len="med"/>
+                      <a:tailEnd type="none" w="med" len="med"/>
+                    </a:lnB>
+                    <a:lnTlToBr w="12700" cmpd="sng">
+                      <a:noFill/>
+                      <a:prstDash val="solid"/>
+                    </a:lnTlToBr>
+                    <a:lnBlToTr w="12700" cmpd="sng">
+                      <a:noFill/>
+                      <a:prstDash val="solid"/>
+                    </a:lnBlToTr>
+                    <a:noFill/>
+                  </a:tcPr>
+                </a:tc>
+                <a:tc>
+                  <a:txBody>
+                    <a:bodyPr/>
+                    <a:lstStyle/>
+                    <a:p>
+                      <a:pPr algn="l"/>
+                      <a:r>
+                        <a:rPr lang="en-HU" sz="1600" dirty="0">
+                          <a:effectLst/>
+                        </a:rPr>
+                        <a:t>Has no effect in purely unsupervised settings</a:t>
+                      </a:r>
+                    </a:p>
+                  </a:txBody>
+                  <a:tcPr anchor="ctr">
+                    <a:lnL w="12700" cap="flat" cmpd="sng" algn="ctr">
+                      <a:solidFill>
+                        <a:schemeClr val="tx1"/>
+                      </a:solidFill>
+                      <a:prstDash val="solid"/>
+                      <a:round/>
+                      <a:headEnd type="none" w="med" len="med"/>
+                      <a:tailEnd type="none" w="med" len="med"/>
+                    </a:lnL>
+                    <a:lnR w="12700" cap="flat" cmpd="sng" algn="ctr">
+                      <a:solidFill>
+                        <a:schemeClr val="tx1"/>
+                      </a:solidFill>
+                      <a:prstDash val="solid"/>
+                      <a:round/>
+                      <a:headEnd type="none" w="med" len="med"/>
+                      <a:tailEnd type="none" w="med" len="med"/>
+                    </a:lnR>
+                    <a:lnT w="12700" cap="flat" cmpd="sng" algn="ctr">
+                      <a:solidFill>
+                        <a:schemeClr val="tx1"/>
+                      </a:solidFill>
+                      <a:prstDash val="solid"/>
+                      <a:round/>
+                      <a:headEnd type="none" w="med" len="med"/>
+                      <a:tailEnd type="none" w="med" len="med"/>
+                    </a:lnT>
+                    <a:lnB w="12700" cap="flat" cmpd="sng" algn="ctr">
+                      <a:solidFill>
+                        <a:schemeClr val="tx1"/>
+                      </a:solidFill>
+                      <a:prstDash val="solid"/>
+                      <a:round/>
+                      <a:headEnd type="none" w="med" len="med"/>
+                      <a:tailEnd type="none" w="med" len="med"/>
+                    </a:lnB>
+                    <a:lnTlToBr w="12700" cmpd="sng">
+                      <a:noFill/>
+                      <a:prstDash val="solid"/>
+                    </a:lnTlToBr>
+                    <a:lnBlToTr w="12700" cmpd="sng">
+                      <a:noFill/>
+                      <a:prstDash val="solid"/>
+                    </a:lnBlToTr>
+                    <a:noFill/>
+                  </a:tcPr>
+                </a:tc>
+                <a:extLst>
+                  <a:ext uri="{0D108BD9-81ED-4DB2-BD59-A6C34878D82A}">
+                    <a16:rowId xmlns:a16="http://schemas.microsoft.com/office/drawing/2014/main" val="1926496772"/>
+                  </a:ext>
+                </a:extLst>
+              </a:tr>
+            </a:tbl>
+          </a:graphicData>
+        </a:graphic>
+      </p:graphicFrame>
+      <p:sp>
+        <p:nvSpPr>
+          <p:cNvPr id="5" name="Rectangle 1">
+            <a:extLst>
+              <a:ext uri="{FF2B5EF4-FFF2-40B4-BE49-F238E27FC236}">
+                <a16:creationId xmlns:a16="http://schemas.microsoft.com/office/drawing/2014/main" id="{FBF416D1-772A-10B7-941A-A68BD8BC9037}"/>
+              </a:ext>
+            </a:extLst>
+          </p:cNvPr>
+          <p:cNvSpPr>
+            <a:spLocks noChangeArrowheads="1"/>
+          </p:cNvSpPr>
+          <p:nvPr/>
+        </p:nvSpPr>
+        <p:spPr bwMode="auto">
+          <a:xfrm>
+            <a:off x="1040423" y="3131650"/>
+            <a:ext cx="12192000" cy="0"/>
+          </a:xfrm>
+          <a:prstGeom prst="rect">
+            <a:avLst/>
+          </a:prstGeom>
+          <a:noFill/>
+          <a:ln>
+            <a:noFill/>
+          </a:ln>
+          <a:effectLst/>
+          <a:extLst>
+            <a:ext uri="{909E8E84-426E-40DD-AFC4-6F175D3DCCD1}">
+              <a14:hiddenFill xmlns:a14="http://schemas.microsoft.com/office/drawing/2010/main">
+                <a:solidFill>
+                  <a:schemeClr val="accent1"/>
+                </a:solidFill>
+              </a14:hiddenFill>
+            </a:ext>
+            <a:ext uri="{91240B29-F687-4F45-9708-019B960494DF}">
+              <a14:hiddenLine xmlns:a14="http://schemas.microsoft.com/office/drawing/2010/main" w="9525">
+                <a:solidFill>
+                  <a:schemeClr val="tx1"/>
+                </a:solidFill>
+                <a:miter lim="800000"/>
+                <a:headEnd/>
+                <a:tailEnd/>
+              </a14:hiddenLine>
+            </a:ext>
+            <a:ext uri="{AF507438-7753-43E0-B8FC-AC1667EBCBE1}">
+              <a14:hiddenEffects xmlns:a14="http://schemas.microsoft.com/office/drawing/2010/main">
+                <a:effectLst>
+                  <a:outerShdw dist="35921" dir="2700000" algn="ctr" rotWithShape="0">
+                    <a:schemeClr val="bg2"/>
+                  </a:outerShdw>
+                </a:effectLst>
+              </a14:hiddenEffects>
+            </a:ext>
+          </a:extLst>
+        </p:spPr>
+        <p:txBody>
+          <a:bodyPr vert="horz" wrap="none" lIns="91440" tIns="45720" rIns="91440" bIns="45720" numCol="1" anchor="ctr" anchorCtr="0" compatLnSpc="1">
+            <a:prstTxWarp prst="textNoShape">
+              <a:avLst/>
+            </a:prstTxWarp>
+            <a:spAutoFit/>
+          </a:bodyPr>
+          <a:lstStyle/>
+          <a:p>
+            <a:pPr marL="0" marR="0" lvl="0" indent="0" algn="l" defTabSz="914400" rtl="0" eaLnBrk="0" fontAlgn="base" latinLnBrk="0" hangingPunct="0">
+              <a:lnSpc>
+                <a:spcPct val="100000"/>
+              </a:lnSpc>
+              <a:spcBef>
+                <a:spcPct val="0"/>
+              </a:spcBef>
+              <a:spcAft>
+                <a:spcPct val="0"/>
+              </a:spcAft>
+              <a:buClrTx/>
+              <a:buSzTx/>
+              <a:buFontTx/>
+              <a:buNone/>
+              <a:tabLst/>
+            </a:pPr>
+            <a:br>
+              <a:rPr kumimoji="0" lang="en-HU" altLang="en-HU" sz="1800" b="0" i="0" u="none" strike="noStrike" cap="none" normalizeH="0" baseline="0">
+                <a:ln>
+                  <a:noFill/>
+                </a:ln>
+                <a:solidFill>
+                  <a:schemeClr val="tx1"/>
+                </a:solidFill>
+                <a:effectLst/>
+                <a:latin typeface="Arial" panose="020B0604020202020204" pitchFamily="34" charset="0"/>
+              </a:rPr>
+            </a:br>
+            <a:endParaRPr kumimoji="0" lang="en-HU" altLang="en-HU" sz="1800" b="0" i="0" u="none" strike="noStrike" cap="none" normalizeH="0" baseline="0">
+              <a:ln>
+                <a:noFill/>
+              </a:ln>
+              <a:solidFill>
+                <a:schemeClr val="tx1"/>
+              </a:solidFill>
+              <a:effectLst/>
+              <a:latin typeface="Arial" panose="020B0604020202020204" pitchFamily="34" charset="0"/>
+            </a:endParaRPr>
+          </a:p>
+        </p:txBody>
+      </p:sp>
+    </p:spTree>
+    <p:extLst>
+      <p:ext uri="{BB962C8B-B14F-4D97-AF65-F5344CB8AC3E}">
+        <p14:creationId xmlns:p14="http://schemas.microsoft.com/office/powerpoint/2010/main" val="913800206"/>
+      </p:ext>
+    </p:extLst>
+  </p:cSld>
+  <p:clrMapOvr>
+    <a:masterClrMapping/>
+  </p:clrMapOvr>
+</p:sld>
+</file>
+
+<file path=ppt/slides/slide7.xml><?xml version="1.0" encoding="utf-8"?>
 <p:sld xmlns:a="http://schemas.openxmlformats.org/drawingml/2006/main" xmlns:r="http://schemas.openxmlformats.org/officeDocument/2006/relationships" xmlns:p="http://schemas.openxmlformats.org/presentationml/2006/main">
   <p:cSld>
     <p:spTree>

--- a/poison_cluster_defense.pptx
+++ b/poison_cluster_defense.pptx
@@ -5,10 +5,10 @@
     <p:sldMasterId id="2147483648" r:id="rId1"/>
   </p:sldMasterIdLst>
   <p:notesMasterIdLst>
-    <p:notesMasterId r:id="rId9"/>
+    <p:notesMasterId r:id="rId16"/>
   </p:notesMasterIdLst>
   <p:handoutMasterIdLst>
-    <p:handoutMasterId r:id="rId10"/>
+    <p:handoutMasterId r:id="rId17"/>
   </p:handoutMasterIdLst>
   <p:sldIdLst>
     <p:sldId id="272" r:id="rId2"/>
@@ -17,7 +17,14 @@
     <p:sldId id="302" r:id="rId5"/>
     <p:sldId id="304" r:id="rId6"/>
     <p:sldId id="305" r:id="rId7"/>
-    <p:sldId id="285" r:id="rId8"/>
+    <p:sldId id="307" r:id="rId8"/>
+    <p:sldId id="308" r:id="rId9"/>
+    <p:sldId id="309" r:id="rId10"/>
+    <p:sldId id="310" r:id="rId11"/>
+    <p:sldId id="311" r:id="rId12"/>
+    <p:sldId id="313" r:id="rId13"/>
+    <p:sldId id="312" r:id="rId14"/>
+    <p:sldId id="285" r:id="rId15"/>
   </p:sldIdLst>
   <p:sldSz cx="12192000" cy="6858000"/>
   <p:notesSz cx="6858000" cy="9144000"/>
@@ -117,6 +124,44 @@
     </a:lvl9pPr>
   </p:defaultTextStyle>
   <p:extLst>
+    <p:ext uri="{521415D9-36F7-43E2-AB2F-B90AF26B5E84}">
+      <p14:sectionLst xmlns:p14="http://schemas.microsoft.com/office/powerpoint/2010/main">
+        <p14:section name="General" id="{5DF47164-23B2-AA45-9144-590706E71690}">
+          <p14:sldIdLst>
+            <p14:sldId id="272"/>
+            <p14:sldId id="295"/>
+            <p14:sldId id="299"/>
+            <p14:sldId id="302"/>
+          </p14:sldIdLst>
+        </p14:section>
+        <p14:section name="Randomized Injection" id="{7F33DB23-486B-9B4E-BB36-6A66ABA0A73C}">
+          <p14:sldIdLst>
+            <p14:sldId id="304"/>
+            <p14:sldId id="305"/>
+          </p14:sldIdLst>
+        </p14:section>
+        <p14:section name="Mimicry" id="{B0845BC2-9561-4540-A6D2-ACD242EA64EF}">
+          <p14:sldIdLst>
+            <p14:sldId id="307"/>
+            <p14:sldId id="308"/>
+            <p14:sldId id="309"/>
+            <p14:sldId id="310"/>
+          </p14:sldIdLst>
+        </p14:section>
+        <p14:section name="Hyperparameter Poisoning" id="{D9B6D382-9C8A-1F46-B2E5-B18442507E70}">
+          <p14:sldIdLst>
+            <p14:sldId id="311"/>
+            <p14:sldId id="313"/>
+            <p14:sldId id="312"/>
+          </p14:sldIdLst>
+        </p14:section>
+        <p14:section name="Closure" id="{0A531433-AD6B-BF47-83C3-94E71B53E62D}">
+          <p14:sldIdLst>
+            <p14:sldId id="285"/>
+          </p14:sldIdLst>
+        </p14:section>
+      </p14:sectionLst>
+    </p:ext>
     <p:ext uri="{EFAFB233-063F-42B5-8137-9DF3F51BA10A}">
       <p15:sldGuideLst xmlns:p15="http://schemas.microsoft.com/office/powerpoint/2012/main"/>
     </p:ext>
@@ -638,6 +683,90 @@
     </a:lvl9pPr>
   </p:notesStyle>
 </p:notesMaster>
+</file>
+
+<file path=ppt/notesSlides/notesSlide1.xml><?xml version="1.0" encoding="utf-8"?>
+<p:notes xmlns:a="http://schemas.openxmlformats.org/drawingml/2006/main" xmlns:r="http://schemas.openxmlformats.org/officeDocument/2006/relationships" xmlns:p="http://schemas.openxmlformats.org/presentationml/2006/main">
+  <p:cSld>
+    <p:spTree>
+      <p:nvGrpSpPr>
+        <p:cNvPr id="1" name=""/>
+        <p:cNvGrpSpPr/>
+        <p:nvPr/>
+      </p:nvGrpSpPr>
+      <p:grpSpPr>
+        <a:xfrm>
+          <a:off x="0" y="0"/>
+          <a:ext cx="0" cy="0"/>
+          <a:chOff x="0" y="0"/>
+          <a:chExt cx="0" cy="0"/>
+        </a:xfrm>
+      </p:grpSpPr>
+      <p:sp>
+        <p:nvSpPr>
+          <p:cNvPr id="2" name="Slide Image Placeholder 1"/>
+          <p:cNvSpPr>
+            <a:spLocks noGrp="1" noRot="1" noChangeAspect="1"/>
+          </p:cNvSpPr>
+          <p:nvPr>
+            <p:ph type="sldImg"/>
+          </p:nvPr>
+        </p:nvSpPr>
+        <p:spPr/>
+      </p:sp>
+      <p:sp>
+        <p:nvSpPr>
+          <p:cNvPr id="3" name="Notes Placeholder 2"/>
+          <p:cNvSpPr>
+            <a:spLocks noGrp="1"/>
+          </p:cNvSpPr>
+          <p:nvPr>
+            <p:ph type="body" idx="1"/>
+          </p:nvPr>
+        </p:nvSpPr>
+        <p:spPr/>
+        <p:txBody>
+          <a:bodyPr/>
+          <a:lstStyle/>
+          <a:p>
+            <a:endParaRPr lang="en-US" dirty="0"/>
+          </a:p>
+        </p:txBody>
+      </p:sp>
+      <p:sp>
+        <p:nvSpPr>
+          <p:cNvPr id="4" name="Slide Number Placeholder 3"/>
+          <p:cNvSpPr>
+            <a:spLocks noGrp="1"/>
+          </p:cNvSpPr>
+          <p:nvPr>
+            <p:ph type="sldNum" sz="quarter" idx="5"/>
+          </p:nvPr>
+        </p:nvSpPr>
+        <p:spPr/>
+        <p:txBody>
+          <a:bodyPr/>
+          <a:lstStyle/>
+          <a:p>
+            <a:fld id="{1B8B25AA-5A0B-7648-B33A-37E9A013F97A}" type="slidenum">
+              <a:rPr lang="hu-HU" smtClean="0"/>
+              <a:t>7</a:t>
+            </a:fld>
+            <a:endParaRPr lang="hu-HU"/>
+          </a:p>
+        </p:txBody>
+      </p:sp>
+    </p:spTree>
+    <p:extLst>
+      <p:ext uri="{BB962C8B-B14F-4D97-AF65-F5344CB8AC3E}">
+        <p14:creationId xmlns:p14="http://schemas.microsoft.com/office/powerpoint/2010/main" val="505900199"/>
+      </p:ext>
+    </p:extLst>
+  </p:cSld>
+  <p:clrMapOvr>
+    <a:masterClrMapping/>
+  </p:clrMapOvr>
+</p:notes>
 </file>
 
 <file path=ppt/slideLayouts/slideLayout1.xml><?xml version="1.0" encoding="utf-8"?>
@@ -6928,6 +7057,1584 @@
 </p:sld>
 </file>
 
+<file path=ppt/slides/slide10.xml><?xml version="1.0" encoding="utf-8"?>
+<p:sld xmlns:a="http://schemas.openxmlformats.org/drawingml/2006/main" xmlns:r="http://schemas.openxmlformats.org/officeDocument/2006/relationships" xmlns:p="http://schemas.openxmlformats.org/presentationml/2006/main">
+  <p:cSld>
+    <p:spTree>
+      <p:nvGrpSpPr>
+        <p:cNvPr id="1" name="">
+          <a:extLst>
+            <a:ext uri="{FF2B5EF4-FFF2-40B4-BE49-F238E27FC236}">
+              <a16:creationId xmlns:a16="http://schemas.microsoft.com/office/drawing/2014/main" id="{D2E3F6B0-859B-5993-11AC-2D4899F424B8}"/>
+            </a:ext>
+          </a:extLst>
+        </p:cNvPr>
+        <p:cNvGrpSpPr/>
+        <p:nvPr/>
+      </p:nvGrpSpPr>
+      <p:grpSpPr>
+        <a:xfrm>
+          <a:off x="0" y="0"/>
+          <a:ext cx="0" cy="0"/>
+          <a:chOff x="0" y="0"/>
+          <a:chExt cx="0" cy="0"/>
+        </a:xfrm>
+      </p:grpSpPr>
+      <p:sp>
+        <p:nvSpPr>
+          <p:cNvPr id="2" name="Text Placeholder 1">
+            <a:extLst>
+              <a:ext uri="{FF2B5EF4-FFF2-40B4-BE49-F238E27FC236}">
+                <a16:creationId xmlns:a16="http://schemas.microsoft.com/office/drawing/2014/main" id="{C5617E57-6A22-00DE-BC16-04B04F87B943}"/>
+              </a:ext>
+            </a:extLst>
+          </p:cNvPr>
+          <p:cNvSpPr>
+            <a:spLocks noGrp="1"/>
+          </p:cNvSpPr>
+          <p:nvPr>
+            <p:ph type="body" idx="16"/>
+          </p:nvPr>
+        </p:nvSpPr>
+        <p:spPr/>
+        <p:txBody>
+          <a:bodyPr/>
+          <a:lstStyle/>
+          <a:p>
+            <a:r>
+              <a:rPr lang="en-HU" b="0" i="0" u="none" strike="noStrike" dirty="0">
+                <a:solidFill>
+                  <a:srgbClr val="1F1F1F"/>
+                </a:solidFill>
+                <a:effectLst/>
+                <a:ea typeface="Open Sans" panose="020B0606030504020204" pitchFamily="34" charset="0"/>
+                <a:cs typeface="Open Sans" panose="020B0606030504020204" pitchFamily="34" charset="0"/>
+              </a:rPr>
+              <a:t>Beyond Mimicry: </a:t>
+            </a:r>
+            <a:r>
+              <a:rPr lang="en-US" dirty="0">
+                <a:ea typeface="Open Sans" panose="020B0606030504020204" pitchFamily="34" charset="0"/>
+                <a:cs typeface="Open Sans" panose="020B0606030504020204" pitchFamily="34" charset="0"/>
+              </a:rPr>
+              <a:t>Contextual Reversal</a:t>
+            </a:r>
+          </a:p>
+        </p:txBody>
+      </p:sp>
+      <p:sp>
+        <p:nvSpPr>
+          <p:cNvPr id="6" name="Text Placeholder 5">
+            <a:extLst>
+              <a:ext uri="{FF2B5EF4-FFF2-40B4-BE49-F238E27FC236}">
+                <a16:creationId xmlns:a16="http://schemas.microsoft.com/office/drawing/2014/main" id="{23367772-F345-F0F9-50FB-332811FE115E}"/>
+              </a:ext>
+            </a:extLst>
+          </p:cNvPr>
+          <p:cNvSpPr>
+            <a:spLocks noGrp="1"/>
+          </p:cNvSpPr>
+          <p:nvPr>
+            <p:ph type="body" idx="20"/>
+          </p:nvPr>
+        </p:nvSpPr>
+        <p:spPr/>
+        <p:txBody>
+          <a:bodyPr/>
+          <a:lstStyle/>
+          <a:p>
+            <a:endParaRPr lang="en-US"/>
+          </a:p>
+        </p:txBody>
+      </p:sp>
+    </p:spTree>
+    <p:extLst>
+      <p:ext uri="{BB962C8B-B14F-4D97-AF65-F5344CB8AC3E}">
+        <p14:creationId xmlns:p14="http://schemas.microsoft.com/office/powerpoint/2010/main" val="2121982184"/>
+      </p:ext>
+    </p:extLst>
+  </p:cSld>
+  <p:clrMapOvr>
+    <a:masterClrMapping/>
+  </p:clrMapOvr>
+</p:sld>
+</file>
+
+<file path=ppt/slides/slide11.xml><?xml version="1.0" encoding="utf-8"?>
+<p:sld xmlns:a="http://schemas.openxmlformats.org/drawingml/2006/main" xmlns:r="http://schemas.openxmlformats.org/officeDocument/2006/relationships" xmlns:p="http://schemas.openxmlformats.org/presentationml/2006/main">
+  <p:cSld>
+    <p:spTree>
+      <p:nvGrpSpPr>
+        <p:cNvPr id="1" name="">
+          <a:extLst>
+            <a:ext uri="{FF2B5EF4-FFF2-40B4-BE49-F238E27FC236}">
+              <a16:creationId xmlns:a16="http://schemas.microsoft.com/office/drawing/2014/main" id="{03D1BA3A-595C-2F60-C12C-5E0A7F446CB9}"/>
+            </a:ext>
+          </a:extLst>
+        </p:cNvPr>
+        <p:cNvGrpSpPr/>
+        <p:nvPr/>
+      </p:nvGrpSpPr>
+      <p:grpSpPr>
+        <a:xfrm>
+          <a:off x="0" y="0"/>
+          <a:ext cx="0" cy="0"/>
+          <a:chOff x="0" y="0"/>
+          <a:chExt cx="0" cy="0"/>
+        </a:xfrm>
+      </p:grpSpPr>
+      <p:sp>
+        <p:nvSpPr>
+          <p:cNvPr id="2" name="Text Placeholder 1">
+            <a:extLst>
+              <a:ext uri="{FF2B5EF4-FFF2-40B4-BE49-F238E27FC236}">
+                <a16:creationId xmlns:a16="http://schemas.microsoft.com/office/drawing/2014/main" id="{51776E19-2761-3F86-0941-E9A11ACD017E}"/>
+              </a:ext>
+            </a:extLst>
+          </p:cNvPr>
+          <p:cNvSpPr>
+            <a:spLocks noGrp="1"/>
+          </p:cNvSpPr>
+          <p:nvPr>
+            <p:ph type="body" idx="16"/>
+          </p:nvPr>
+        </p:nvSpPr>
+        <p:spPr/>
+        <p:txBody>
+          <a:bodyPr/>
+          <a:lstStyle/>
+          <a:p>
+            <a:r>
+              <a:rPr lang="en-US" dirty="0">
+                <a:ea typeface="Open Sans" panose="020B0606030504020204" pitchFamily="34" charset="0"/>
+                <a:cs typeface="Open Sans" panose="020B0606030504020204" pitchFamily="34" charset="0"/>
+              </a:rPr>
+              <a:t>Informed Injection </a:t>
+            </a:r>
+            <a:r>
+              <a:rPr lang="en-HU" b="0" i="0" u="none" strike="noStrike" dirty="0">
+                <a:solidFill>
+                  <a:srgbClr val="1F1F1F"/>
+                </a:solidFill>
+                <a:effectLst/>
+                <a:ea typeface="Open Sans" panose="020B0606030504020204" pitchFamily="34" charset="0"/>
+                <a:cs typeface="Open Sans" panose="020B0606030504020204" pitchFamily="34" charset="0"/>
+              </a:rPr>
+              <a:t>— </a:t>
+            </a:r>
+            <a:r>
+              <a:rPr lang="en-US" b="0" i="0" u="none" strike="noStrike" dirty="0">
+                <a:solidFill>
+                  <a:srgbClr val="1F1F1F"/>
+                </a:solidFill>
+                <a:effectLst/>
+                <a:ea typeface="Open Sans" panose="020B0606030504020204" pitchFamily="34" charset="0"/>
+                <a:cs typeface="Open Sans" panose="020B0606030504020204" pitchFamily="34" charset="0"/>
+              </a:rPr>
+              <a:t>Hyperparameter Poisoning</a:t>
+            </a:r>
+            <a:endParaRPr lang="en-US" dirty="0">
+              <a:ea typeface="Open Sans" panose="020B0606030504020204" pitchFamily="34" charset="0"/>
+              <a:cs typeface="Open Sans" panose="020B0606030504020204" pitchFamily="34" charset="0"/>
+            </a:endParaRPr>
+          </a:p>
+        </p:txBody>
+      </p:sp>
+      <p:sp>
+        <p:nvSpPr>
+          <p:cNvPr id="6" name="Text Placeholder 5">
+            <a:extLst>
+              <a:ext uri="{FF2B5EF4-FFF2-40B4-BE49-F238E27FC236}">
+                <a16:creationId xmlns:a16="http://schemas.microsoft.com/office/drawing/2014/main" id="{D813174F-C79F-85A9-244A-5480A9B71775}"/>
+              </a:ext>
+            </a:extLst>
+          </p:cNvPr>
+          <p:cNvSpPr>
+            <a:spLocks noGrp="1"/>
+          </p:cNvSpPr>
+          <p:nvPr>
+            <p:ph type="body" idx="20"/>
+          </p:nvPr>
+        </p:nvSpPr>
+        <p:spPr/>
+        <p:txBody>
+          <a:bodyPr/>
+          <a:lstStyle/>
+          <a:p>
+            <a:endParaRPr lang="en-US"/>
+          </a:p>
+        </p:txBody>
+      </p:sp>
+      <p:sp>
+        <p:nvSpPr>
+          <p:cNvPr id="3" name="Text Placeholder 2">
+            <a:extLst>
+              <a:ext uri="{FF2B5EF4-FFF2-40B4-BE49-F238E27FC236}">
+                <a16:creationId xmlns:a16="http://schemas.microsoft.com/office/drawing/2014/main" id="{DB7B1283-BD13-078F-CF68-D09835427301}"/>
+              </a:ext>
+            </a:extLst>
+          </p:cNvPr>
+          <p:cNvSpPr>
+            <a:spLocks noGrp="1"/>
+          </p:cNvSpPr>
+          <p:nvPr>
+            <p:ph type="body" idx="17"/>
+          </p:nvPr>
+        </p:nvSpPr>
+        <p:spPr>
+          <a:xfrm>
+            <a:off x="838200" y="1607437"/>
+            <a:ext cx="10515600" cy="4065776"/>
+          </a:xfrm>
+        </p:spPr>
+        <p:txBody>
+          <a:bodyPr/>
+          <a:lstStyle/>
+          <a:p>
+            <a:pPr marL="0" indent="0">
+              <a:spcAft>
+                <a:spcPts val="1200"/>
+              </a:spcAft>
+              <a:buNone/>
+            </a:pPr>
+            <a:r>
+              <a:rPr lang="en-HU" dirty="0"/>
+              <a:t>Poisoning a hyperparameter of semi-supervised KMeans:</a:t>
+            </a:r>
+          </a:p>
+          <a:p>
+            <a:pPr marL="457200" indent="-457200">
+              <a:buFont typeface="+mj-lt"/>
+              <a:buAutoNum type="arabicPeriod"/>
+            </a:pPr>
+            <a:r>
+              <a:rPr lang="en-HU" dirty="0"/>
+              <a:t>Given small labeled sample data</a:t>
+            </a:r>
+          </a:p>
+          <a:p>
+            <a:pPr marL="457200" indent="-457200">
+              <a:buFont typeface="+mj-lt"/>
+              <a:buAutoNum type="arabicPeriod"/>
+            </a:pPr>
+            <a:r>
+              <a:rPr lang="en-HU" dirty="0">
+                <a:solidFill>
+                  <a:srgbClr val="FF0000"/>
+                </a:solidFill>
+              </a:rPr>
+              <a:t>Perform label flipping on the sample data</a:t>
+            </a:r>
+          </a:p>
+          <a:p>
+            <a:pPr marL="457200" indent="-457200">
+              <a:buFont typeface="+mj-lt"/>
+              <a:buAutoNum type="arabicPeriod"/>
+            </a:pPr>
+            <a:r>
+              <a:rPr lang="en-HU" dirty="0"/>
+              <a:t>Calculate centroids (average position) for each class, assign the label</a:t>
+            </a:r>
+          </a:p>
+          <a:p>
+            <a:pPr marL="457200" indent="-457200">
+              <a:buFont typeface="+mj-lt"/>
+              <a:buAutoNum type="arabicPeriod"/>
+            </a:pPr>
+            <a:r>
+              <a:rPr lang="en-HU" dirty="0"/>
+              <a:t>KMeans is initialized with the centroids</a:t>
+            </a:r>
+          </a:p>
+          <a:p>
+            <a:pPr marL="457200" indent="-457200">
+              <a:buFont typeface="+mj-lt"/>
+              <a:buAutoNum type="arabicPeriod"/>
+            </a:pPr>
+            <a:r>
+              <a:rPr lang="en-HU" dirty="0"/>
+              <a:t>Clustering is performed</a:t>
+            </a:r>
+          </a:p>
+          <a:p>
+            <a:pPr marL="457200" indent="-457200">
+              <a:buFont typeface="+mj-lt"/>
+              <a:buAutoNum type="arabicPeriod"/>
+            </a:pPr>
+            <a:r>
+              <a:rPr lang="en-HU" dirty="0"/>
+              <a:t>Centroids and label information traverse while fitting the data</a:t>
+            </a:r>
+          </a:p>
+          <a:p>
+            <a:pPr marL="457200" indent="-457200">
+              <a:spcAft>
+                <a:spcPts val="600"/>
+              </a:spcAft>
+              <a:buFont typeface="+mj-lt"/>
+              <a:buAutoNum type="arabicPeriod"/>
+            </a:pPr>
+            <a:r>
+              <a:rPr lang="en-HU" dirty="0"/>
+              <a:t>Classification is made by the centroid’s label information for each formulated cluster</a:t>
+            </a:r>
+          </a:p>
+          <a:p>
+            <a:pPr marL="0" indent="0">
+              <a:buNone/>
+            </a:pPr>
+            <a:r>
+              <a:rPr lang="en-HU" b="1" dirty="0"/>
+              <a:t>Expectations:</a:t>
+            </a:r>
+            <a:r>
+              <a:rPr lang="en-HU" dirty="0"/>
+              <a:t> Misclassification. </a:t>
+            </a:r>
+            <a:r>
+              <a:rPr lang="en-HU" sz="2000" dirty="0">
+                <a:effectLst/>
+              </a:rPr>
+              <a:t>Clustering result may remain unchanged.</a:t>
+            </a:r>
+            <a:endParaRPr lang="en-HU" dirty="0"/>
+          </a:p>
+        </p:txBody>
+      </p:sp>
+    </p:spTree>
+    <p:extLst>
+      <p:ext uri="{BB962C8B-B14F-4D97-AF65-F5344CB8AC3E}">
+        <p14:creationId xmlns:p14="http://schemas.microsoft.com/office/powerpoint/2010/main" val="2903848729"/>
+      </p:ext>
+    </p:extLst>
+  </p:cSld>
+  <p:clrMapOvr>
+    <a:masterClrMapping/>
+  </p:clrMapOvr>
+</p:sld>
+</file>
+
+<file path=ppt/slides/slide12.xml><?xml version="1.0" encoding="utf-8"?>
+<p:sld xmlns:a="http://schemas.openxmlformats.org/drawingml/2006/main" xmlns:r="http://schemas.openxmlformats.org/officeDocument/2006/relationships" xmlns:p="http://schemas.openxmlformats.org/presentationml/2006/main">
+  <p:cSld>
+    <p:spTree>
+      <p:nvGrpSpPr>
+        <p:cNvPr id="1" name=""/>
+        <p:cNvGrpSpPr/>
+        <p:nvPr/>
+      </p:nvGrpSpPr>
+      <p:grpSpPr>
+        <a:xfrm>
+          <a:off x="0" y="0"/>
+          <a:ext cx="0" cy="0"/>
+          <a:chOff x="0" y="0"/>
+          <a:chExt cx="0" cy="0"/>
+        </a:xfrm>
+      </p:grpSpPr>
+      <p:sp>
+        <p:nvSpPr>
+          <p:cNvPr id="2" name="Text Placeholder 1">
+            <a:extLst>
+              <a:ext uri="{FF2B5EF4-FFF2-40B4-BE49-F238E27FC236}">
+                <a16:creationId xmlns:a16="http://schemas.microsoft.com/office/drawing/2014/main" id="{7E9EA58D-1312-4A0A-7E20-D200778323E9}"/>
+              </a:ext>
+            </a:extLst>
+          </p:cNvPr>
+          <p:cNvSpPr>
+            <a:spLocks noGrp="1"/>
+          </p:cNvSpPr>
+          <p:nvPr>
+            <p:ph type="body" idx="16"/>
+          </p:nvPr>
+        </p:nvSpPr>
+        <p:spPr/>
+        <p:txBody>
+          <a:bodyPr/>
+          <a:lstStyle/>
+          <a:p>
+            <a:r>
+              <a:rPr lang="en-US" dirty="0">
+                <a:ea typeface="Open Sans" panose="020B0606030504020204" pitchFamily="34" charset="0"/>
+                <a:cs typeface="Open Sans" panose="020B0606030504020204" pitchFamily="34" charset="0"/>
+              </a:rPr>
+              <a:t>Informed Injection </a:t>
+            </a:r>
+            <a:r>
+              <a:rPr lang="en-HU" b="0" i="0" u="none" strike="noStrike" dirty="0">
+                <a:solidFill>
+                  <a:srgbClr val="1F1F1F"/>
+                </a:solidFill>
+                <a:effectLst/>
+                <a:ea typeface="Open Sans" panose="020B0606030504020204" pitchFamily="34" charset="0"/>
+                <a:cs typeface="Open Sans" panose="020B0606030504020204" pitchFamily="34" charset="0"/>
+              </a:rPr>
+              <a:t>— </a:t>
+            </a:r>
+            <a:r>
+              <a:rPr lang="en-US" b="0" i="0" u="none" strike="noStrike" dirty="0">
+                <a:solidFill>
+                  <a:srgbClr val="1F1F1F"/>
+                </a:solidFill>
+                <a:effectLst/>
+                <a:ea typeface="Open Sans" panose="020B0606030504020204" pitchFamily="34" charset="0"/>
+                <a:cs typeface="Open Sans" panose="020B0606030504020204" pitchFamily="34" charset="0"/>
+              </a:rPr>
+              <a:t>Hyperparameter Poisoning</a:t>
+            </a:r>
+            <a:endParaRPr lang="en-US" dirty="0">
+              <a:ea typeface="Open Sans" panose="020B0606030504020204" pitchFamily="34" charset="0"/>
+              <a:cs typeface="Open Sans" panose="020B0606030504020204" pitchFamily="34" charset="0"/>
+            </a:endParaRPr>
+          </a:p>
+        </p:txBody>
+      </p:sp>
+      <p:sp>
+        <p:nvSpPr>
+          <p:cNvPr id="6" name="Text Placeholder 5">
+            <a:extLst>
+              <a:ext uri="{FF2B5EF4-FFF2-40B4-BE49-F238E27FC236}">
+                <a16:creationId xmlns:a16="http://schemas.microsoft.com/office/drawing/2014/main" id="{7201631C-774D-2FA4-0E95-8B72FD4380A8}"/>
+              </a:ext>
+            </a:extLst>
+          </p:cNvPr>
+          <p:cNvSpPr>
+            <a:spLocks noGrp="1"/>
+          </p:cNvSpPr>
+          <p:nvPr>
+            <p:ph type="body" idx="20"/>
+          </p:nvPr>
+        </p:nvSpPr>
+        <p:spPr/>
+        <p:txBody>
+          <a:bodyPr/>
+          <a:lstStyle/>
+          <a:p>
+            <a:endParaRPr lang="en-US"/>
+          </a:p>
+        </p:txBody>
+      </p:sp>
+      <p:pic>
+        <p:nvPicPr>
+          <p:cNvPr id="8" name="Picture 7">
+            <a:extLst>
+              <a:ext uri="{FF2B5EF4-FFF2-40B4-BE49-F238E27FC236}">
+                <a16:creationId xmlns:a16="http://schemas.microsoft.com/office/drawing/2014/main" id="{4215F25E-A41C-775D-497A-7E4846B212AE}"/>
+              </a:ext>
+            </a:extLst>
+          </p:cNvPr>
+          <p:cNvPicPr>
+            <a:picLocks noChangeAspect="1"/>
+          </p:cNvPicPr>
+          <p:nvPr/>
+        </p:nvPicPr>
+        <p:blipFill>
+          <a:blip r:embed="rId2"/>
+          <a:srcRect/>
+          <a:stretch/>
+        </p:blipFill>
+        <p:spPr>
+          <a:xfrm>
+            <a:off x="2217081" y="1726898"/>
+            <a:ext cx="7757837" cy="3600000"/>
+          </a:xfrm>
+          <a:prstGeom prst="rect">
+            <a:avLst/>
+          </a:prstGeom>
+        </p:spPr>
+      </p:pic>
+      <p:pic>
+        <p:nvPicPr>
+          <p:cNvPr id="9" name="Picture 8">
+            <a:extLst>
+              <a:ext uri="{FF2B5EF4-FFF2-40B4-BE49-F238E27FC236}">
+                <a16:creationId xmlns:a16="http://schemas.microsoft.com/office/drawing/2014/main" id="{7564DFF1-7B8D-FC63-081B-278A0ABDB8B6}"/>
+              </a:ext>
+            </a:extLst>
+          </p:cNvPr>
+          <p:cNvPicPr>
+            <a:picLocks noChangeAspect="1"/>
+          </p:cNvPicPr>
+          <p:nvPr/>
+        </p:nvPicPr>
+        <p:blipFill>
+          <a:blip r:embed="rId3"/>
+          <a:srcRect/>
+          <a:stretch/>
+        </p:blipFill>
+        <p:spPr>
+          <a:xfrm>
+            <a:off x="3061119" y="2114618"/>
+            <a:ext cx="7757755" cy="3599962"/>
+          </a:xfrm>
+          <a:prstGeom prst="rect">
+            <a:avLst/>
+          </a:prstGeom>
+          <a:effectLst>
+            <a:outerShdw blurRad="312423" dist="258499" dir="14400000" sx="105000" sy="105000" algn="t" rotWithShape="0">
+              <a:prstClr val="black">
+                <a:alpha val="49726"/>
+              </a:prstClr>
+            </a:outerShdw>
+          </a:effectLst>
+        </p:spPr>
+      </p:pic>
+      <p:pic>
+        <p:nvPicPr>
+          <p:cNvPr id="11" name="Picture 10">
+            <a:extLst>
+              <a:ext uri="{FF2B5EF4-FFF2-40B4-BE49-F238E27FC236}">
+                <a16:creationId xmlns:a16="http://schemas.microsoft.com/office/drawing/2014/main" id="{5C637F7B-BFC7-B9E6-94A1-08D0D969E3A2}"/>
+              </a:ext>
+            </a:extLst>
+          </p:cNvPr>
+          <p:cNvPicPr>
+            <a:picLocks noChangeAspect="1"/>
+          </p:cNvPicPr>
+          <p:nvPr/>
+        </p:nvPicPr>
+        <p:blipFill>
+          <a:blip r:embed="rId4"/>
+          <a:srcRect/>
+          <a:stretch/>
+        </p:blipFill>
+        <p:spPr>
+          <a:xfrm>
+            <a:off x="3255687" y="2313230"/>
+            <a:ext cx="7757664" cy="3599962"/>
+          </a:xfrm>
+          <a:prstGeom prst="rect">
+            <a:avLst/>
+          </a:prstGeom>
+          <a:effectLst>
+            <a:outerShdw blurRad="312423" dist="258499" dir="14400000" sx="105000" sy="105000" algn="t" rotWithShape="0">
+              <a:prstClr val="black">
+                <a:alpha val="49726"/>
+              </a:prstClr>
+            </a:outerShdw>
+          </a:effectLst>
+        </p:spPr>
+      </p:pic>
+      <p:pic>
+        <p:nvPicPr>
+          <p:cNvPr id="13" name="Picture 12">
+            <a:extLst>
+              <a:ext uri="{FF2B5EF4-FFF2-40B4-BE49-F238E27FC236}">
+                <a16:creationId xmlns:a16="http://schemas.microsoft.com/office/drawing/2014/main" id="{01AB57D8-F7A5-7277-D8BA-B0FD0B46D974}"/>
+              </a:ext>
+            </a:extLst>
+          </p:cNvPr>
+          <p:cNvPicPr>
+            <a:picLocks noChangeAspect="1"/>
+          </p:cNvPicPr>
+          <p:nvPr/>
+        </p:nvPicPr>
+        <p:blipFill>
+          <a:blip r:embed="rId5"/>
+          <a:srcRect/>
+          <a:stretch/>
+        </p:blipFill>
+        <p:spPr>
+          <a:xfrm>
+            <a:off x="3450255" y="2502321"/>
+            <a:ext cx="7757664" cy="3599919"/>
+          </a:xfrm>
+          <a:prstGeom prst="rect">
+            <a:avLst/>
+          </a:prstGeom>
+          <a:effectLst>
+            <a:outerShdw blurRad="312423" dist="258499" dir="14400000" sx="105000" sy="105000" algn="t" rotWithShape="0">
+              <a:prstClr val="black">
+                <a:alpha val="49726"/>
+              </a:prstClr>
+            </a:outerShdw>
+          </a:effectLst>
+        </p:spPr>
+      </p:pic>
+    </p:spTree>
+    <p:extLst>
+      <p:ext uri="{BB962C8B-B14F-4D97-AF65-F5344CB8AC3E}">
+        <p14:creationId xmlns:p14="http://schemas.microsoft.com/office/powerpoint/2010/main" val="949857083"/>
+      </p:ext>
+    </p:extLst>
+  </p:cSld>
+  <p:clrMapOvr>
+    <a:masterClrMapping/>
+  </p:clrMapOvr>
+  <p:timing>
+    <p:tnLst>
+      <p:par>
+        <p:cTn id="1" dur="indefinite" restart="never" nodeType="tmRoot">
+          <p:childTnLst>
+            <p:seq concurrent="1" nextAc="seek">
+              <p:cTn id="2" dur="indefinite" nodeType="mainSeq">
+                <p:childTnLst>
+                  <p:par>
+                    <p:cTn id="3" fill="hold">
+                      <p:stCondLst>
+                        <p:cond delay="indefinite"/>
+                      </p:stCondLst>
+                      <p:childTnLst>
+                        <p:par>
+                          <p:cTn id="4" fill="hold">
+                            <p:stCondLst>
+                              <p:cond delay="0"/>
+                            </p:stCondLst>
+                            <p:childTnLst>
+                              <p:par>
+                                <p:cTn id="5" presetID="47" presetClass="entr" presetSubtype="0" fill="hold" nodeType="clickEffect">
+                                  <p:stCondLst>
+                                    <p:cond delay="0"/>
+                                  </p:stCondLst>
+                                  <p:childTnLst>
+                                    <p:set>
+                                      <p:cBhvr>
+                                        <p:cTn id="6" dur="1" fill="hold">
+                                          <p:stCondLst>
+                                            <p:cond delay="0"/>
+                                          </p:stCondLst>
+                                        </p:cTn>
+                                        <p:tgtEl>
+                                          <p:spTgt spid="9"/>
+                                        </p:tgtEl>
+                                        <p:attrNameLst>
+                                          <p:attrName>style.visibility</p:attrName>
+                                        </p:attrNameLst>
+                                      </p:cBhvr>
+                                      <p:to>
+                                        <p:strVal val="visible"/>
+                                      </p:to>
+                                    </p:set>
+                                    <p:animEffect transition="in" filter="fade">
+                                      <p:cBhvr>
+                                        <p:cTn id="7" dur="500"/>
+                                        <p:tgtEl>
+                                          <p:spTgt spid="9"/>
+                                        </p:tgtEl>
+                                      </p:cBhvr>
+                                    </p:animEffect>
+                                    <p:anim calcmode="lin" valueType="num">
+                                      <p:cBhvr>
+                                        <p:cTn id="8" dur="500" fill="hold"/>
+                                        <p:tgtEl>
+                                          <p:spTgt spid="9"/>
+                                        </p:tgtEl>
+                                        <p:attrNameLst>
+                                          <p:attrName>ppt_x</p:attrName>
+                                        </p:attrNameLst>
+                                      </p:cBhvr>
+                                      <p:tavLst>
+                                        <p:tav tm="0">
+                                          <p:val>
+                                            <p:strVal val="#ppt_x"/>
+                                          </p:val>
+                                        </p:tav>
+                                        <p:tav tm="100000">
+                                          <p:val>
+                                            <p:strVal val="#ppt_x"/>
+                                          </p:val>
+                                        </p:tav>
+                                      </p:tavLst>
+                                    </p:anim>
+                                    <p:anim calcmode="lin" valueType="num">
+                                      <p:cBhvr>
+                                        <p:cTn id="9" dur="500" fill="hold"/>
+                                        <p:tgtEl>
+                                          <p:spTgt spid="9"/>
+                                        </p:tgtEl>
+                                        <p:attrNameLst>
+                                          <p:attrName>ppt_y</p:attrName>
+                                        </p:attrNameLst>
+                                      </p:cBhvr>
+                                      <p:tavLst>
+                                        <p:tav tm="0">
+                                          <p:val>
+                                            <p:strVal val="#ppt_y-.1"/>
+                                          </p:val>
+                                        </p:tav>
+                                        <p:tav tm="100000">
+                                          <p:val>
+                                            <p:strVal val="#ppt_y"/>
+                                          </p:val>
+                                        </p:tav>
+                                      </p:tavLst>
+                                    </p:anim>
+                                  </p:childTnLst>
+                                </p:cTn>
+                              </p:par>
+                            </p:childTnLst>
+                          </p:cTn>
+                        </p:par>
+                      </p:childTnLst>
+                    </p:cTn>
+                  </p:par>
+                  <p:par>
+                    <p:cTn id="10" fill="hold">
+                      <p:stCondLst>
+                        <p:cond delay="indefinite"/>
+                      </p:stCondLst>
+                      <p:childTnLst>
+                        <p:par>
+                          <p:cTn id="11" fill="hold">
+                            <p:stCondLst>
+                              <p:cond delay="0"/>
+                            </p:stCondLst>
+                            <p:childTnLst>
+                              <p:par>
+                                <p:cTn id="12" presetID="47" presetClass="entr" presetSubtype="0" fill="hold" nodeType="clickEffect">
+                                  <p:stCondLst>
+                                    <p:cond delay="0"/>
+                                  </p:stCondLst>
+                                  <p:childTnLst>
+                                    <p:set>
+                                      <p:cBhvr>
+                                        <p:cTn id="13" dur="1" fill="hold">
+                                          <p:stCondLst>
+                                            <p:cond delay="0"/>
+                                          </p:stCondLst>
+                                        </p:cTn>
+                                        <p:tgtEl>
+                                          <p:spTgt spid="11"/>
+                                        </p:tgtEl>
+                                        <p:attrNameLst>
+                                          <p:attrName>style.visibility</p:attrName>
+                                        </p:attrNameLst>
+                                      </p:cBhvr>
+                                      <p:to>
+                                        <p:strVal val="visible"/>
+                                      </p:to>
+                                    </p:set>
+                                    <p:animEffect transition="in" filter="fade">
+                                      <p:cBhvr>
+                                        <p:cTn id="14" dur="500"/>
+                                        <p:tgtEl>
+                                          <p:spTgt spid="11"/>
+                                        </p:tgtEl>
+                                      </p:cBhvr>
+                                    </p:animEffect>
+                                    <p:anim calcmode="lin" valueType="num">
+                                      <p:cBhvr>
+                                        <p:cTn id="15" dur="500" fill="hold"/>
+                                        <p:tgtEl>
+                                          <p:spTgt spid="11"/>
+                                        </p:tgtEl>
+                                        <p:attrNameLst>
+                                          <p:attrName>ppt_x</p:attrName>
+                                        </p:attrNameLst>
+                                      </p:cBhvr>
+                                      <p:tavLst>
+                                        <p:tav tm="0">
+                                          <p:val>
+                                            <p:strVal val="#ppt_x"/>
+                                          </p:val>
+                                        </p:tav>
+                                        <p:tav tm="100000">
+                                          <p:val>
+                                            <p:strVal val="#ppt_x"/>
+                                          </p:val>
+                                        </p:tav>
+                                      </p:tavLst>
+                                    </p:anim>
+                                    <p:anim calcmode="lin" valueType="num">
+                                      <p:cBhvr>
+                                        <p:cTn id="16" dur="500" fill="hold"/>
+                                        <p:tgtEl>
+                                          <p:spTgt spid="11"/>
+                                        </p:tgtEl>
+                                        <p:attrNameLst>
+                                          <p:attrName>ppt_y</p:attrName>
+                                        </p:attrNameLst>
+                                      </p:cBhvr>
+                                      <p:tavLst>
+                                        <p:tav tm="0">
+                                          <p:val>
+                                            <p:strVal val="#ppt_y-.1"/>
+                                          </p:val>
+                                        </p:tav>
+                                        <p:tav tm="100000">
+                                          <p:val>
+                                            <p:strVal val="#ppt_y"/>
+                                          </p:val>
+                                        </p:tav>
+                                      </p:tavLst>
+                                    </p:anim>
+                                  </p:childTnLst>
+                                </p:cTn>
+                              </p:par>
+                            </p:childTnLst>
+                          </p:cTn>
+                        </p:par>
+                      </p:childTnLst>
+                    </p:cTn>
+                  </p:par>
+                  <p:par>
+                    <p:cTn id="17" fill="hold">
+                      <p:stCondLst>
+                        <p:cond delay="indefinite"/>
+                      </p:stCondLst>
+                      <p:childTnLst>
+                        <p:par>
+                          <p:cTn id="18" fill="hold">
+                            <p:stCondLst>
+                              <p:cond delay="0"/>
+                            </p:stCondLst>
+                            <p:childTnLst>
+                              <p:par>
+                                <p:cTn id="19" presetID="47" presetClass="entr" presetSubtype="0" fill="hold" nodeType="clickEffect">
+                                  <p:stCondLst>
+                                    <p:cond delay="0"/>
+                                  </p:stCondLst>
+                                  <p:childTnLst>
+                                    <p:set>
+                                      <p:cBhvr>
+                                        <p:cTn id="20" dur="1" fill="hold">
+                                          <p:stCondLst>
+                                            <p:cond delay="0"/>
+                                          </p:stCondLst>
+                                        </p:cTn>
+                                        <p:tgtEl>
+                                          <p:spTgt spid="13"/>
+                                        </p:tgtEl>
+                                        <p:attrNameLst>
+                                          <p:attrName>style.visibility</p:attrName>
+                                        </p:attrNameLst>
+                                      </p:cBhvr>
+                                      <p:to>
+                                        <p:strVal val="visible"/>
+                                      </p:to>
+                                    </p:set>
+                                    <p:animEffect transition="in" filter="fade">
+                                      <p:cBhvr>
+                                        <p:cTn id="21" dur="500"/>
+                                        <p:tgtEl>
+                                          <p:spTgt spid="13"/>
+                                        </p:tgtEl>
+                                      </p:cBhvr>
+                                    </p:animEffect>
+                                    <p:anim calcmode="lin" valueType="num">
+                                      <p:cBhvr>
+                                        <p:cTn id="22" dur="500" fill="hold"/>
+                                        <p:tgtEl>
+                                          <p:spTgt spid="13"/>
+                                        </p:tgtEl>
+                                        <p:attrNameLst>
+                                          <p:attrName>ppt_x</p:attrName>
+                                        </p:attrNameLst>
+                                      </p:cBhvr>
+                                      <p:tavLst>
+                                        <p:tav tm="0">
+                                          <p:val>
+                                            <p:strVal val="#ppt_x"/>
+                                          </p:val>
+                                        </p:tav>
+                                        <p:tav tm="100000">
+                                          <p:val>
+                                            <p:strVal val="#ppt_x"/>
+                                          </p:val>
+                                        </p:tav>
+                                      </p:tavLst>
+                                    </p:anim>
+                                    <p:anim calcmode="lin" valueType="num">
+                                      <p:cBhvr>
+                                        <p:cTn id="23" dur="500" fill="hold"/>
+                                        <p:tgtEl>
+                                          <p:spTgt spid="13"/>
+                                        </p:tgtEl>
+                                        <p:attrNameLst>
+                                          <p:attrName>ppt_y</p:attrName>
+                                        </p:attrNameLst>
+                                      </p:cBhvr>
+                                      <p:tavLst>
+                                        <p:tav tm="0">
+                                          <p:val>
+                                            <p:strVal val="#ppt_y-.1"/>
+                                          </p:val>
+                                        </p:tav>
+                                        <p:tav tm="100000">
+                                          <p:val>
+                                            <p:strVal val="#ppt_y"/>
+                                          </p:val>
+                                        </p:tav>
+                                      </p:tavLst>
+                                    </p:anim>
+                                  </p:childTnLst>
+                                </p:cTn>
+                              </p:par>
+                            </p:childTnLst>
+                          </p:cTn>
+                        </p:par>
+                      </p:childTnLst>
+                    </p:cTn>
+                  </p:par>
+                </p:childTnLst>
+              </p:cTn>
+              <p:prevCondLst>
+                <p:cond evt="onPrev" delay="0">
+                  <p:tgtEl>
+                    <p:sldTgt/>
+                  </p:tgtEl>
+                </p:cond>
+              </p:prevCondLst>
+              <p:nextCondLst>
+                <p:cond evt="onNext" delay="0">
+                  <p:tgtEl>
+                    <p:sldTgt/>
+                  </p:tgtEl>
+                </p:cond>
+              </p:nextCondLst>
+            </p:seq>
+          </p:childTnLst>
+        </p:cTn>
+      </p:par>
+    </p:tnLst>
+  </p:timing>
+</p:sld>
+</file>
+
+<file path=ppt/slides/slide13.xml><?xml version="1.0" encoding="utf-8"?>
+<p:sld xmlns:a="http://schemas.openxmlformats.org/drawingml/2006/main" xmlns:r="http://schemas.openxmlformats.org/officeDocument/2006/relationships" xmlns:p="http://schemas.openxmlformats.org/presentationml/2006/main">
+  <p:cSld>
+    <p:spTree>
+      <p:nvGrpSpPr>
+        <p:cNvPr id="1" name="">
+          <a:extLst>
+            <a:ext uri="{FF2B5EF4-FFF2-40B4-BE49-F238E27FC236}">
+              <a16:creationId xmlns:a16="http://schemas.microsoft.com/office/drawing/2014/main" id="{654ED01A-1AB7-570A-54C9-B8DCD5AFBAF6}"/>
+            </a:ext>
+          </a:extLst>
+        </p:cNvPr>
+        <p:cNvGrpSpPr/>
+        <p:nvPr/>
+      </p:nvGrpSpPr>
+      <p:grpSpPr>
+        <a:xfrm>
+          <a:off x="0" y="0"/>
+          <a:ext cx="0" cy="0"/>
+          <a:chOff x="0" y="0"/>
+          <a:chExt cx="0" cy="0"/>
+        </a:xfrm>
+      </p:grpSpPr>
+      <p:sp>
+        <p:nvSpPr>
+          <p:cNvPr id="2" name="Text Placeholder 1">
+            <a:extLst>
+              <a:ext uri="{FF2B5EF4-FFF2-40B4-BE49-F238E27FC236}">
+                <a16:creationId xmlns:a16="http://schemas.microsoft.com/office/drawing/2014/main" id="{B823E64B-6685-3C81-B44D-EF22F6694D82}"/>
+              </a:ext>
+            </a:extLst>
+          </p:cNvPr>
+          <p:cNvSpPr>
+            <a:spLocks noGrp="1"/>
+          </p:cNvSpPr>
+          <p:nvPr>
+            <p:ph type="body" idx="16"/>
+          </p:nvPr>
+        </p:nvSpPr>
+        <p:spPr/>
+        <p:txBody>
+          <a:bodyPr/>
+          <a:lstStyle/>
+          <a:p>
+            <a:r>
+              <a:rPr lang="en-US" dirty="0">
+                <a:ea typeface="Open Sans" panose="020B0606030504020204" pitchFamily="34" charset="0"/>
+                <a:cs typeface="Open Sans" panose="020B0606030504020204" pitchFamily="34" charset="0"/>
+              </a:rPr>
+              <a:t>Informed Injection </a:t>
+            </a:r>
+            <a:r>
+              <a:rPr lang="en-HU" b="0" i="0" u="none" strike="noStrike" dirty="0">
+                <a:solidFill>
+                  <a:srgbClr val="1F1F1F"/>
+                </a:solidFill>
+                <a:effectLst/>
+                <a:ea typeface="Open Sans" panose="020B0606030504020204" pitchFamily="34" charset="0"/>
+                <a:cs typeface="Open Sans" panose="020B0606030504020204" pitchFamily="34" charset="0"/>
+              </a:rPr>
+              <a:t>— </a:t>
+            </a:r>
+            <a:r>
+              <a:rPr lang="en-US" b="0" i="0" u="none" strike="noStrike" dirty="0">
+                <a:solidFill>
+                  <a:srgbClr val="1F1F1F"/>
+                </a:solidFill>
+                <a:effectLst/>
+                <a:ea typeface="Open Sans" panose="020B0606030504020204" pitchFamily="34" charset="0"/>
+                <a:cs typeface="Open Sans" panose="020B0606030504020204" pitchFamily="34" charset="0"/>
+              </a:rPr>
+              <a:t>Hyperparameter Poisoning</a:t>
+            </a:r>
+            <a:endParaRPr lang="en-US" dirty="0">
+              <a:ea typeface="Open Sans" panose="020B0606030504020204" pitchFamily="34" charset="0"/>
+              <a:cs typeface="Open Sans" panose="020B0606030504020204" pitchFamily="34" charset="0"/>
+            </a:endParaRPr>
+          </a:p>
+        </p:txBody>
+      </p:sp>
+      <p:sp>
+        <p:nvSpPr>
+          <p:cNvPr id="6" name="Text Placeholder 5">
+            <a:extLst>
+              <a:ext uri="{FF2B5EF4-FFF2-40B4-BE49-F238E27FC236}">
+                <a16:creationId xmlns:a16="http://schemas.microsoft.com/office/drawing/2014/main" id="{791FC681-E021-CEC3-9504-04CAC73163F9}"/>
+              </a:ext>
+            </a:extLst>
+          </p:cNvPr>
+          <p:cNvSpPr>
+            <a:spLocks noGrp="1"/>
+          </p:cNvSpPr>
+          <p:nvPr>
+            <p:ph type="body" idx="20"/>
+          </p:nvPr>
+        </p:nvSpPr>
+        <p:spPr/>
+        <p:txBody>
+          <a:bodyPr/>
+          <a:lstStyle/>
+          <a:p>
+            <a:endParaRPr lang="en-US"/>
+          </a:p>
+        </p:txBody>
+      </p:sp>
+      <p:graphicFrame>
+        <p:nvGraphicFramePr>
+          <p:cNvPr id="12" name="Table 11">
+            <a:extLst>
+              <a:ext uri="{FF2B5EF4-FFF2-40B4-BE49-F238E27FC236}">
+                <a16:creationId xmlns:a16="http://schemas.microsoft.com/office/drawing/2014/main" id="{EB0E77A1-8E09-8C4B-75E7-A752F23BED4F}"/>
+              </a:ext>
+            </a:extLst>
+          </p:cNvPr>
+          <p:cNvGraphicFramePr>
+            <a:graphicFrameLocks noGrp="1"/>
+          </p:cNvGraphicFramePr>
+          <p:nvPr>
+            <p:extLst>
+              <p:ext uri="{D42A27DB-BD31-4B8C-83A1-F6EECF244321}">
+                <p14:modId xmlns:p14="http://schemas.microsoft.com/office/powerpoint/2010/main" val="2822026292"/>
+              </p:ext>
+            </p:extLst>
+          </p:nvPr>
+        </p:nvGraphicFramePr>
+        <p:xfrm>
+          <a:off x="838200" y="3956721"/>
+          <a:ext cx="10515600" cy="1303102"/>
+        </p:xfrm>
+        <a:graphic>
+          <a:graphicData uri="http://schemas.openxmlformats.org/drawingml/2006/table">
+            <a:tbl>
+              <a:tblPr/>
+              <a:tblGrid>
+                <a:gridCol w="693995">
+                  <a:extLst>
+                    <a:ext uri="{9D8B030D-6E8A-4147-A177-3AD203B41FA5}">
+                      <a16:colId xmlns:a16="http://schemas.microsoft.com/office/drawing/2014/main" val="3580539963"/>
+                    </a:ext>
+                  </a:extLst>
+                </a:gridCol>
+                <a:gridCol w="9821605">
+                  <a:extLst>
+                    <a:ext uri="{9D8B030D-6E8A-4147-A177-3AD203B41FA5}">
+                      <a16:colId xmlns:a16="http://schemas.microsoft.com/office/drawing/2014/main" val="1752262900"/>
+                    </a:ext>
+                  </a:extLst>
+                </a:gridCol>
+              </a:tblGrid>
+              <a:tr h="723982">
+                <a:tc>
+                  <a:txBody>
+                    <a:bodyPr/>
+                    <a:lstStyle/>
+                    <a:p>
+                      <a:pPr algn="l" fontAlgn="ctr"/>
+                      <a:r>
+                        <a:rPr lang="en-GB" sz="1600" b="1" dirty="0">
+                          <a:effectLst/>
+                        </a:rPr>
+                        <a:t>Pros</a:t>
+                      </a:r>
+                    </a:p>
+                  </a:txBody>
+                  <a:tcPr anchor="ctr">
+                    <a:lnL w="12700" cap="flat" cmpd="sng" algn="ctr">
+                      <a:solidFill>
+                        <a:schemeClr val="tx1"/>
+                      </a:solidFill>
+                      <a:prstDash val="solid"/>
+                      <a:round/>
+                      <a:headEnd type="none" w="med" len="med"/>
+                      <a:tailEnd type="none" w="med" len="med"/>
+                    </a:lnL>
+                    <a:lnR w="12700" cap="flat" cmpd="sng" algn="ctr">
+                      <a:solidFill>
+                        <a:schemeClr val="tx1"/>
+                      </a:solidFill>
+                      <a:prstDash val="solid"/>
+                      <a:round/>
+                      <a:headEnd type="none" w="med" len="med"/>
+                      <a:tailEnd type="none" w="med" len="med"/>
+                    </a:lnR>
+                    <a:lnT w="12700" cap="flat" cmpd="sng" algn="ctr">
+                      <a:solidFill>
+                        <a:schemeClr val="tx1"/>
+                      </a:solidFill>
+                      <a:prstDash val="solid"/>
+                      <a:round/>
+                      <a:headEnd type="none" w="med" len="med"/>
+                      <a:tailEnd type="none" w="med" len="med"/>
+                    </a:lnT>
+                    <a:lnB w="12700" cap="flat" cmpd="sng" algn="ctr">
+                      <a:solidFill>
+                        <a:schemeClr val="tx1"/>
+                      </a:solidFill>
+                      <a:prstDash val="solid"/>
+                      <a:round/>
+                      <a:headEnd type="none" w="med" len="med"/>
+                      <a:tailEnd type="none" w="med" len="med"/>
+                    </a:lnB>
+                    <a:lnTlToBr w="12700" cmpd="sng">
+                      <a:noFill/>
+                      <a:prstDash val="solid"/>
+                    </a:lnTlToBr>
+                    <a:lnBlToTr w="12700" cmpd="sng">
+                      <a:noFill/>
+                      <a:prstDash val="solid"/>
+                    </a:lnBlToTr>
+                    <a:noFill/>
+                  </a:tcPr>
+                </a:tc>
+                <a:tc>
+                  <a:txBody>
+                    <a:bodyPr/>
+                    <a:lstStyle/>
+                    <a:p>
+                      <a:pPr marL="0" indent="0" algn="l">
+                        <a:buFontTx/>
+                        <a:buNone/>
+                      </a:pPr>
+                      <a:r>
+                        <a:rPr lang="en-US" sz="1600" dirty="0">
+                          <a:effectLst/>
+                        </a:rPr>
+                        <a:t>Only the sample data is needed to be poisoned. It makes entire cluster-wide mistakes.</a:t>
+                      </a:r>
+                      <a:br>
+                        <a:rPr lang="en-US" sz="1600" dirty="0">
+                          <a:effectLst/>
+                        </a:rPr>
+                      </a:br>
+                      <a:r>
+                        <a:rPr lang="en-HU" sz="1600" dirty="0">
+                          <a:effectLst/>
+                        </a:rPr>
+                        <a:t>Centroids and cluster boundaries may remain unchanged.</a:t>
+                      </a:r>
+                    </a:p>
+                  </a:txBody>
+                  <a:tcPr anchor="ctr">
+                    <a:lnL w="12700" cap="flat" cmpd="sng" algn="ctr">
+                      <a:solidFill>
+                        <a:schemeClr val="tx1"/>
+                      </a:solidFill>
+                      <a:prstDash val="solid"/>
+                      <a:round/>
+                      <a:headEnd type="none" w="med" len="med"/>
+                      <a:tailEnd type="none" w="med" len="med"/>
+                    </a:lnL>
+                    <a:lnR w="12700" cap="flat" cmpd="sng" algn="ctr">
+                      <a:solidFill>
+                        <a:schemeClr val="tx1"/>
+                      </a:solidFill>
+                      <a:prstDash val="solid"/>
+                      <a:round/>
+                      <a:headEnd type="none" w="med" len="med"/>
+                      <a:tailEnd type="none" w="med" len="med"/>
+                    </a:lnR>
+                    <a:lnT w="12700" cap="flat" cmpd="sng" algn="ctr">
+                      <a:solidFill>
+                        <a:schemeClr val="tx1"/>
+                      </a:solidFill>
+                      <a:prstDash val="solid"/>
+                      <a:round/>
+                      <a:headEnd type="none" w="med" len="med"/>
+                      <a:tailEnd type="none" w="med" len="med"/>
+                    </a:lnT>
+                    <a:lnB w="12700" cap="flat" cmpd="sng" algn="ctr">
+                      <a:solidFill>
+                        <a:schemeClr val="tx1"/>
+                      </a:solidFill>
+                      <a:prstDash val="solid"/>
+                      <a:round/>
+                      <a:headEnd type="none" w="med" len="med"/>
+                      <a:tailEnd type="none" w="med" len="med"/>
+                    </a:lnB>
+                    <a:lnTlToBr w="12700" cmpd="sng">
+                      <a:noFill/>
+                      <a:prstDash val="solid"/>
+                    </a:lnTlToBr>
+                    <a:lnBlToTr w="12700" cmpd="sng">
+                      <a:noFill/>
+                      <a:prstDash val="solid"/>
+                    </a:lnBlToTr>
+                    <a:noFill/>
+                  </a:tcPr>
+                </a:tc>
+                <a:extLst>
+                  <a:ext uri="{0D108BD9-81ED-4DB2-BD59-A6C34878D82A}">
+                    <a16:rowId xmlns:a16="http://schemas.microsoft.com/office/drawing/2014/main" val="3828876444"/>
+                  </a:ext>
+                </a:extLst>
+              </a:tr>
+              <a:tr h="419148">
+                <a:tc>
+                  <a:txBody>
+                    <a:bodyPr/>
+                    <a:lstStyle/>
+                    <a:p>
+                      <a:pPr algn="l" fontAlgn="ctr"/>
+                      <a:r>
+                        <a:rPr lang="en-GB" sz="1600" b="1" dirty="0">
+                          <a:effectLst/>
+                        </a:rPr>
+                        <a:t>Cons</a:t>
+                      </a:r>
+                    </a:p>
+                  </a:txBody>
+                  <a:tcPr anchor="ctr">
+                    <a:lnL w="12700" cap="flat" cmpd="sng" algn="ctr">
+                      <a:solidFill>
+                        <a:schemeClr val="tx1"/>
+                      </a:solidFill>
+                      <a:prstDash val="solid"/>
+                      <a:round/>
+                      <a:headEnd type="none" w="med" len="med"/>
+                      <a:tailEnd type="none" w="med" len="med"/>
+                    </a:lnL>
+                    <a:lnR w="12700" cap="flat" cmpd="sng" algn="ctr">
+                      <a:solidFill>
+                        <a:schemeClr val="tx1"/>
+                      </a:solidFill>
+                      <a:prstDash val="solid"/>
+                      <a:round/>
+                      <a:headEnd type="none" w="med" len="med"/>
+                      <a:tailEnd type="none" w="med" len="med"/>
+                    </a:lnR>
+                    <a:lnT w="12700" cap="flat" cmpd="sng" algn="ctr">
+                      <a:solidFill>
+                        <a:schemeClr val="tx1"/>
+                      </a:solidFill>
+                      <a:prstDash val="solid"/>
+                      <a:round/>
+                      <a:headEnd type="none" w="med" len="med"/>
+                      <a:tailEnd type="none" w="med" len="med"/>
+                    </a:lnT>
+                    <a:lnB w="12700" cap="flat" cmpd="sng" algn="ctr">
+                      <a:solidFill>
+                        <a:schemeClr val="tx1"/>
+                      </a:solidFill>
+                      <a:prstDash val="solid"/>
+                      <a:round/>
+                      <a:headEnd type="none" w="med" len="med"/>
+                      <a:tailEnd type="none" w="med" len="med"/>
+                    </a:lnB>
+                    <a:lnTlToBr w="12700" cmpd="sng">
+                      <a:noFill/>
+                      <a:prstDash val="solid"/>
+                    </a:lnTlToBr>
+                    <a:lnBlToTr w="12700" cmpd="sng">
+                      <a:noFill/>
+                      <a:prstDash val="solid"/>
+                    </a:lnBlToTr>
+                    <a:noFill/>
+                  </a:tcPr>
+                </a:tc>
+                <a:tc>
+                  <a:txBody>
+                    <a:bodyPr/>
+                    <a:lstStyle/>
+                    <a:p>
+                      <a:pPr algn="l"/>
+                      <a:r>
+                        <a:rPr lang="en-HU" sz="1600" dirty="0">
+                          <a:effectLst/>
+                        </a:rPr>
+                        <a:t>The label flipping ratio needs to be large enough, around 80% on average for the Iris dataset.</a:t>
+                      </a:r>
+                      <a:br>
+                        <a:rPr lang="en-HU" sz="1600" dirty="0">
+                          <a:effectLst/>
+                        </a:rPr>
+                      </a:br>
+                      <a:r>
+                        <a:rPr lang="en-HU" sz="1600" dirty="0">
+                          <a:effectLst/>
+                        </a:rPr>
+                        <a:t>Centroids and cluster boundaries may remain unchanged.</a:t>
+                      </a:r>
+                    </a:p>
+                  </a:txBody>
+                  <a:tcPr anchor="ctr">
+                    <a:lnL w="12700" cap="flat" cmpd="sng" algn="ctr">
+                      <a:solidFill>
+                        <a:schemeClr val="tx1"/>
+                      </a:solidFill>
+                      <a:prstDash val="solid"/>
+                      <a:round/>
+                      <a:headEnd type="none" w="med" len="med"/>
+                      <a:tailEnd type="none" w="med" len="med"/>
+                    </a:lnL>
+                    <a:lnR w="12700" cap="flat" cmpd="sng" algn="ctr">
+                      <a:solidFill>
+                        <a:schemeClr val="tx1"/>
+                      </a:solidFill>
+                      <a:prstDash val="solid"/>
+                      <a:round/>
+                      <a:headEnd type="none" w="med" len="med"/>
+                      <a:tailEnd type="none" w="med" len="med"/>
+                    </a:lnR>
+                    <a:lnT w="12700" cap="flat" cmpd="sng" algn="ctr">
+                      <a:solidFill>
+                        <a:schemeClr val="tx1"/>
+                      </a:solidFill>
+                      <a:prstDash val="solid"/>
+                      <a:round/>
+                      <a:headEnd type="none" w="med" len="med"/>
+                      <a:tailEnd type="none" w="med" len="med"/>
+                    </a:lnT>
+                    <a:lnB w="12700" cap="flat" cmpd="sng" algn="ctr">
+                      <a:solidFill>
+                        <a:schemeClr val="tx1"/>
+                      </a:solidFill>
+                      <a:prstDash val="solid"/>
+                      <a:round/>
+                      <a:headEnd type="none" w="med" len="med"/>
+                      <a:tailEnd type="none" w="med" len="med"/>
+                    </a:lnB>
+                    <a:lnTlToBr w="12700" cmpd="sng">
+                      <a:noFill/>
+                      <a:prstDash val="solid"/>
+                    </a:lnTlToBr>
+                    <a:lnBlToTr w="12700" cmpd="sng">
+                      <a:noFill/>
+                      <a:prstDash val="solid"/>
+                    </a:lnBlToTr>
+                    <a:noFill/>
+                  </a:tcPr>
+                </a:tc>
+                <a:extLst>
+                  <a:ext uri="{0D108BD9-81ED-4DB2-BD59-A6C34878D82A}">
+                    <a16:rowId xmlns:a16="http://schemas.microsoft.com/office/drawing/2014/main" val="1926496772"/>
+                  </a:ext>
+                </a:extLst>
+              </a:tr>
+            </a:tbl>
+          </a:graphicData>
+        </a:graphic>
+      </p:graphicFrame>
+      <p:pic>
+        <p:nvPicPr>
+          <p:cNvPr id="14" name="Picture 13">
+            <a:extLst>
+              <a:ext uri="{FF2B5EF4-FFF2-40B4-BE49-F238E27FC236}">
+                <a16:creationId xmlns:a16="http://schemas.microsoft.com/office/drawing/2014/main" id="{2BAECDF5-9779-B920-5F91-DCA40F901BEB}"/>
+              </a:ext>
+            </a:extLst>
+          </p:cNvPr>
+          <p:cNvPicPr>
+            <a:picLocks noChangeAspect="1"/>
+          </p:cNvPicPr>
+          <p:nvPr/>
+        </p:nvPicPr>
+        <p:blipFill rotWithShape="1">
+          <a:blip r:embed="rId2"/>
+          <a:srcRect t="52828"/>
+          <a:stretch/>
+        </p:blipFill>
+        <p:spPr>
+          <a:xfrm>
+            <a:off x="6162245" y="1598176"/>
+            <a:ext cx="5191553" cy="2096857"/>
+          </a:xfrm>
+          <a:prstGeom prst="rect">
+            <a:avLst/>
+          </a:prstGeom>
+          <a:effectLst>
+            <a:outerShdw blurRad="50800" dist="38100" dir="5400000" algn="t" rotWithShape="0">
+              <a:prstClr val="black">
+                <a:alpha val="40000"/>
+              </a:prstClr>
+            </a:outerShdw>
+          </a:effectLst>
+        </p:spPr>
+      </p:pic>
+      <p:pic>
+        <p:nvPicPr>
+          <p:cNvPr id="15" name="Picture 14">
+            <a:extLst>
+              <a:ext uri="{FF2B5EF4-FFF2-40B4-BE49-F238E27FC236}">
+                <a16:creationId xmlns:a16="http://schemas.microsoft.com/office/drawing/2014/main" id="{E5023746-9AC1-EE98-E5F5-90142B67F5E0}"/>
+              </a:ext>
+            </a:extLst>
+          </p:cNvPr>
+          <p:cNvPicPr>
+            <a:picLocks noChangeAspect="1"/>
+          </p:cNvPicPr>
+          <p:nvPr/>
+        </p:nvPicPr>
+        <p:blipFill rotWithShape="1">
+          <a:blip r:embed="rId2"/>
+          <a:srcRect b="52828"/>
+          <a:stretch/>
+        </p:blipFill>
+        <p:spPr>
+          <a:xfrm>
+            <a:off x="838202" y="1598177"/>
+            <a:ext cx="5191553" cy="2096857"/>
+          </a:xfrm>
+          <a:prstGeom prst="rect">
+            <a:avLst/>
+          </a:prstGeom>
+          <a:effectLst>
+            <a:outerShdw blurRad="50800" dist="38100" dir="5400000" algn="t" rotWithShape="0">
+              <a:prstClr val="black">
+                <a:alpha val="40000"/>
+              </a:prstClr>
+            </a:outerShdw>
+          </a:effectLst>
+        </p:spPr>
+      </p:pic>
+      <p:sp>
+        <p:nvSpPr>
+          <p:cNvPr id="16" name="TextBox 15">
+            <a:extLst>
+              <a:ext uri="{FF2B5EF4-FFF2-40B4-BE49-F238E27FC236}">
+                <a16:creationId xmlns:a16="http://schemas.microsoft.com/office/drawing/2014/main" id="{EABD568C-76AF-3FFE-162C-0F790C8B286D}"/>
+              </a:ext>
+            </a:extLst>
+          </p:cNvPr>
+          <p:cNvSpPr txBox="1"/>
+          <p:nvPr/>
+        </p:nvSpPr>
+        <p:spPr>
+          <a:xfrm>
+            <a:off x="4218802" y="5602294"/>
+            <a:ext cx="3754395" cy="307777"/>
+          </a:xfrm>
+          <a:prstGeom prst="rect">
+            <a:avLst/>
+          </a:prstGeom>
+          <a:noFill/>
+        </p:spPr>
+        <p:txBody>
+          <a:bodyPr wrap="square" rtlCol="0">
+            <a:spAutoFit/>
+          </a:bodyPr>
+          <a:lstStyle/>
+          <a:p>
+            <a:pPr algn="ctr"/>
+            <a:r>
+              <a:rPr lang="en-US" sz="1400" dirty="0">
+                <a:hlinkClick r:id="rId3"/>
+              </a:rPr>
+              <a:t>Notebook (Iris)</a:t>
+            </a:r>
+            <a:r>
+              <a:rPr lang="en-US" sz="1400" dirty="0"/>
+              <a:t>    </a:t>
+            </a:r>
+            <a:r>
+              <a:rPr lang="en-US" sz="1400" dirty="0">
+                <a:hlinkClick r:id="rId4"/>
+              </a:rPr>
+              <a:t>Notebook (Breast cancer)</a:t>
+            </a:r>
+            <a:endParaRPr lang="en-US" sz="1400" dirty="0"/>
+          </a:p>
+        </p:txBody>
+      </p:sp>
+    </p:spTree>
+    <p:extLst>
+      <p:ext uri="{BB962C8B-B14F-4D97-AF65-F5344CB8AC3E}">
+        <p14:creationId xmlns:p14="http://schemas.microsoft.com/office/powerpoint/2010/main" val="2958433614"/>
+      </p:ext>
+    </p:extLst>
+  </p:cSld>
+  <p:clrMapOvr>
+    <a:masterClrMapping/>
+  </p:clrMapOvr>
+</p:sld>
+</file>
+
+<file path=ppt/slides/slide14.xml><?xml version="1.0" encoding="utf-8"?>
+<p:sld xmlns:a="http://schemas.openxmlformats.org/drawingml/2006/main" xmlns:r="http://schemas.openxmlformats.org/officeDocument/2006/relationships" xmlns:p="http://schemas.openxmlformats.org/presentationml/2006/main">
+  <p:cSld>
+    <p:spTree>
+      <p:nvGrpSpPr>
+        <p:cNvPr id="1" name="">
+          <a:extLst>
+            <a:ext uri="{FF2B5EF4-FFF2-40B4-BE49-F238E27FC236}">
+              <a16:creationId xmlns:a16="http://schemas.microsoft.com/office/drawing/2014/main" id="{9DBA4DAC-413E-4501-9AB9-019981A95FDB}"/>
+            </a:ext>
+          </a:extLst>
+        </p:cNvPr>
+        <p:cNvGrpSpPr/>
+        <p:nvPr/>
+      </p:nvGrpSpPr>
+      <p:grpSpPr>
+        <a:xfrm>
+          <a:off x="0" y="0"/>
+          <a:ext cx="0" cy="0"/>
+          <a:chOff x="0" y="0"/>
+          <a:chExt cx="0" cy="0"/>
+        </a:xfrm>
+      </p:grpSpPr>
+      <p:sp>
+        <p:nvSpPr>
+          <p:cNvPr id="2" name="Szöveg helye 1">
+            <a:extLst>
+              <a:ext uri="{FF2B5EF4-FFF2-40B4-BE49-F238E27FC236}">
+                <a16:creationId xmlns:a16="http://schemas.microsoft.com/office/drawing/2014/main" id="{760297E0-1362-9754-5CCC-21EA940FCB5F}"/>
+              </a:ext>
+            </a:extLst>
+          </p:cNvPr>
+          <p:cNvSpPr>
+            <a:spLocks noGrp="1"/>
+          </p:cNvSpPr>
+          <p:nvPr>
+            <p:ph type="body" idx="13"/>
+          </p:nvPr>
+        </p:nvSpPr>
+        <p:spPr>
+          <a:xfrm>
+            <a:off x="723900" y="2983444"/>
+            <a:ext cx="10744200" cy="891112"/>
+          </a:xfrm>
+        </p:spPr>
+        <p:txBody>
+          <a:bodyPr/>
+          <a:lstStyle/>
+          <a:p>
+            <a:pPr algn="ctr"/>
+            <a:r>
+              <a:rPr lang="en-GB" dirty="0"/>
+              <a:t>Thank you for your attention!</a:t>
+            </a:r>
+            <a:endParaRPr lang="hu-HU" dirty="0"/>
+          </a:p>
+        </p:txBody>
+      </p:sp>
+    </p:spTree>
+    <p:extLst>
+      <p:ext uri="{BB962C8B-B14F-4D97-AF65-F5344CB8AC3E}">
+        <p14:creationId xmlns:p14="http://schemas.microsoft.com/office/powerpoint/2010/main" val="3354372117"/>
+      </p:ext>
+    </p:extLst>
+  </p:cSld>
+  <p:clrMapOvr>
+    <a:masterClrMapping/>
+  </p:clrMapOvr>
+</p:sld>
+</file>
+
 <file path=ppt/slides/slide2.xml><?xml version="1.0" encoding="utf-8"?>
 <p:sld xmlns:a="http://schemas.openxmlformats.org/drawingml/2006/main" xmlns:r="http://schemas.openxmlformats.org/officeDocument/2006/relationships" xmlns:p="http://schemas.openxmlformats.org/presentationml/2006/main">
   <p:cSld>
@@ -7211,7 +8918,7 @@
             <a:pPr lvl="1"/>
             <a:r>
               <a:rPr lang="en-US" dirty="0"/>
-              <a:t>Synthetic data</a:t>
+              <a:t>Informed Injection (Synthetic data)</a:t>
             </a:r>
           </a:p>
           <a:p>
@@ -7225,14 +8932,14 @@
             <a:pPr lvl="2"/>
             <a:r>
               <a:rPr lang="en-US" dirty="0"/>
-              <a:t>Mimicry based attack</a:t>
+              <a:t>Mimicry-based attack</a:t>
             </a:r>
           </a:p>
           <a:p>
             <a:pPr lvl="2"/>
             <a:r>
               <a:rPr lang="en-US" dirty="0"/>
-              <a:t>Semi-supervised model exploitation</a:t>
+              <a:t>Hyperparameter poisoning in semi-supervised model</a:t>
             </a:r>
           </a:p>
           <a:p>
@@ -7418,7 +9125,7 @@
             <a:pPr lvl="1"/>
             <a:r>
               <a:rPr lang="en-HU" dirty="0"/>
-              <a:t>Synthetic outlier injection around cluster centroids</a:t>
+              <a:t>Mimicry-based attack to conceal outliers, hyperparameter poisoning</a:t>
             </a:r>
           </a:p>
           <a:p>
@@ -9064,10 +10771,223 @@
   <p:cSld>
     <p:spTree>
       <p:nvGrpSpPr>
+        <p:cNvPr id="1" name=""/>
+        <p:cNvGrpSpPr/>
+        <p:nvPr/>
+      </p:nvGrpSpPr>
+      <p:grpSpPr>
+        <a:xfrm>
+          <a:off x="0" y="0"/>
+          <a:ext cx="0" cy="0"/>
+          <a:chOff x="0" y="0"/>
+          <a:chExt cx="0" cy="0"/>
+        </a:xfrm>
+      </p:grpSpPr>
+      <p:sp>
+        <p:nvSpPr>
+          <p:cNvPr id="2" name="Text Placeholder 1">
+            <a:extLst>
+              <a:ext uri="{FF2B5EF4-FFF2-40B4-BE49-F238E27FC236}">
+                <a16:creationId xmlns:a16="http://schemas.microsoft.com/office/drawing/2014/main" id="{9C13A2C6-9F62-C822-842D-5914DD434C2B}"/>
+              </a:ext>
+            </a:extLst>
+          </p:cNvPr>
+          <p:cNvSpPr>
+            <a:spLocks noGrp="1"/>
+          </p:cNvSpPr>
+          <p:nvPr>
+            <p:ph type="body" idx="16"/>
+          </p:nvPr>
+        </p:nvSpPr>
+        <p:spPr/>
+        <p:txBody>
+          <a:bodyPr/>
+          <a:lstStyle/>
+          <a:p>
+            <a:r>
+              <a:rPr lang="en-US" dirty="0"/>
+              <a:t>Informed Injection </a:t>
+            </a:r>
+            <a:r>
+              <a:rPr lang="en-HU" b="0" i="0" u="none" strike="noStrike" dirty="0">
+                <a:solidFill>
+                  <a:srgbClr val="1F1F1F"/>
+                </a:solidFill>
+                <a:effectLst/>
+                <a:latin typeface="Google Sans"/>
+              </a:rPr>
+              <a:t>—</a:t>
+            </a:r>
+            <a:r>
+              <a:rPr lang="en-US" dirty="0"/>
+              <a:t> Mimicry</a:t>
+            </a:r>
+          </a:p>
+        </p:txBody>
+      </p:sp>
+      <p:sp>
+        <p:nvSpPr>
+          <p:cNvPr id="6" name="Text Placeholder 5">
+            <a:extLst>
+              <a:ext uri="{FF2B5EF4-FFF2-40B4-BE49-F238E27FC236}">
+                <a16:creationId xmlns:a16="http://schemas.microsoft.com/office/drawing/2014/main" id="{AFFAAF06-01B5-77F3-20E9-5DFC4E210354}"/>
+              </a:ext>
+            </a:extLst>
+          </p:cNvPr>
+          <p:cNvSpPr>
+            <a:spLocks noGrp="1"/>
+          </p:cNvSpPr>
+          <p:nvPr>
+            <p:ph type="body" idx="20"/>
+          </p:nvPr>
+        </p:nvSpPr>
+        <p:spPr/>
+        <p:txBody>
+          <a:bodyPr/>
+          <a:lstStyle/>
+          <a:p>
+            <a:endParaRPr lang="en-US"/>
+          </a:p>
+        </p:txBody>
+      </p:sp>
+      <p:pic>
+        <p:nvPicPr>
+          <p:cNvPr id="1026" name="Picture 2" descr="image">
+            <a:extLst>
+              <a:ext uri="{FF2B5EF4-FFF2-40B4-BE49-F238E27FC236}">
+                <a16:creationId xmlns:a16="http://schemas.microsoft.com/office/drawing/2014/main" id="{59DD788E-7EEB-828A-E4BE-1F01ACB6730A}"/>
+              </a:ext>
+            </a:extLst>
+          </p:cNvPr>
+          <p:cNvPicPr>
+            <a:picLocks noChangeAspect="1" noChangeArrowheads="1"/>
+          </p:cNvPicPr>
+          <p:nvPr/>
+        </p:nvPicPr>
+        <p:blipFill rotWithShape="1">
+          <a:blip r:embed="rId3">
+            <a:extLst>
+              <a:ext uri="{28A0092B-C50C-407E-A947-70E740481C1C}">
+                <a14:useLocalDpi xmlns:a14="http://schemas.microsoft.com/office/drawing/2010/main" val="0"/>
+              </a:ext>
+            </a:extLst>
+          </a:blip>
+          <a:srcRect l="705" r="438"/>
+          <a:stretch/>
+        </p:blipFill>
+        <p:spPr bwMode="auto">
+          <a:xfrm>
+            <a:off x="1715615" y="1899000"/>
+            <a:ext cx="4036042" cy="3060000"/>
+          </a:xfrm>
+          <a:prstGeom prst="rect">
+            <a:avLst/>
+          </a:prstGeom>
+          <a:noFill/>
+          <a:extLst>
+            <a:ext uri="{909E8E84-426E-40DD-AFC4-6F175D3DCCD1}">
+              <a14:hiddenFill xmlns:a14="http://schemas.microsoft.com/office/drawing/2010/main">
+                <a:solidFill>
+                  <a:srgbClr val="FFFFFF"/>
+                </a:solidFill>
+              </a14:hiddenFill>
+            </a:ext>
+          </a:extLst>
+        </p:spPr>
+      </p:pic>
+      <p:pic>
+        <p:nvPicPr>
+          <p:cNvPr id="8" name="Picture 7">
+            <a:extLst>
+              <a:ext uri="{FF2B5EF4-FFF2-40B4-BE49-F238E27FC236}">
+                <a16:creationId xmlns:a16="http://schemas.microsoft.com/office/drawing/2014/main" id="{5B404533-A007-E2DA-5582-9B6F20FFC6F0}"/>
+              </a:ext>
+            </a:extLst>
+          </p:cNvPr>
+          <p:cNvPicPr>
+            <a:picLocks noChangeAspect="1"/>
+          </p:cNvPicPr>
+          <p:nvPr/>
+        </p:nvPicPr>
+        <p:blipFill>
+          <a:blip r:embed="rId4"/>
+          <a:srcRect/>
+          <a:stretch/>
+        </p:blipFill>
+        <p:spPr>
+          <a:xfrm>
+            <a:off x="6505244" y="1629000"/>
+            <a:ext cx="3897001" cy="3600000"/>
+          </a:xfrm>
+          <a:prstGeom prst="rect">
+            <a:avLst/>
+          </a:prstGeom>
+        </p:spPr>
+      </p:pic>
+      <p:sp>
+        <p:nvSpPr>
+          <p:cNvPr id="12" name="TextBox 11">
+            <a:extLst>
+              <a:ext uri="{FF2B5EF4-FFF2-40B4-BE49-F238E27FC236}">
+                <a16:creationId xmlns:a16="http://schemas.microsoft.com/office/drawing/2014/main" id="{8FCF4C86-040A-720E-C1A1-7EDE83C13818}"/>
+              </a:ext>
+            </a:extLst>
+          </p:cNvPr>
+          <p:cNvSpPr txBox="1"/>
+          <p:nvPr/>
+        </p:nvSpPr>
+        <p:spPr>
+          <a:xfrm>
+            <a:off x="1618734" y="5090500"/>
+            <a:ext cx="4226011" cy="523220"/>
+          </a:xfrm>
+          <a:prstGeom prst="rect">
+            <a:avLst/>
+          </a:prstGeom>
+          <a:noFill/>
+        </p:spPr>
+        <p:txBody>
+          <a:bodyPr wrap="square" rtlCol="0">
+            <a:spAutoFit/>
+          </a:bodyPr>
+          <a:lstStyle/>
+          <a:p>
+            <a:r>
+              <a:rPr lang="en-US" sz="1400" i="1" dirty="0"/>
+              <a:t>Image source: </a:t>
+            </a:r>
+            <a:r>
+              <a:rPr lang="en-US" sz="1400" i="1" dirty="0">
+                <a:hlinkClick r:id="rId5"/>
+              </a:rPr>
+              <a:t>The past, present and future of 'cuckoos versus reed warblers'</a:t>
+            </a:r>
+            <a:endParaRPr lang="en-US" sz="1400" i="1" dirty="0"/>
+          </a:p>
+        </p:txBody>
+      </p:sp>
+    </p:spTree>
+    <p:extLst>
+      <p:ext uri="{BB962C8B-B14F-4D97-AF65-F5344CB8AC3E}">
+        <p14:creationId xmlns:p14="http://schemas.microsoft.com/office/powerpoint/2010/main" val="1937234824"/>
+      </p:ext>
+    </p:extLst>
+  </p:cSld>
+  <p:clrMapOvr>
+    <a:masterClrMapping/>
+  </p:clrMapOvr>
+</p:sld>
+</file>
+
+<file path=ppt/slides/slide8.xml><?xml version="1.0" encoding="utf-8"?>
+<p:sld xmlns:a="http://schemas.openxmlformats.org/drawingml/2006/main" xmlns:r="http://schemas.openxmlformats.org/officeDocument/2006/relationships" xmlns:p="http://schemas.openxmlformats.org/presentationml/2006/main">
+  <p:cSld>
+    <p:spTree>
+      <p:nvGrpSpPr>
         <p:cNvPr id="1" name="">
           <a:extLst>
             <a:ext uri="{FF2B5EF4-FFF2-40B4-BE49-F238E27FC236}">
-              <a16:creationId xmlns:a16="http://schemas.microsoft.com/office/drawing/2014/main" id="{9DBA4DAC-413E-4501-9AB9-019981A95FDB}"/>
+              <a16:creationId xmlns:a16="http://schemas.microsoft.com/office/drawing/2014/main" id="{B00EB1FB-41C8-BC1A-FCC1-B337B3735BF5}"/>
             </a:ext>
           </a:extLst>
         </p:cNvPr>
@@ -9084,10 +11004,10 @@
       </p:grpSpPr>
       <p:sp>
         <p:nvSpPr>
-          <p:cNvPr id="2" name="Szöveg helye 1">
-            <a:extLst>
-              <a:ext uri="{FF2B5EF4-FFF2-40B4-BE49-F238E27FC236}">
-                <a16:creationId xmlns:a16="http://schemas.microsoft.com/office/drawing/2014/main" id="{760297E0-1362-9754-5CCC-21EA940FCB5F}"/>
+          <p:cNvPr id="2" name="Text Placeholder 1">
+            <a:extLst>
+              <a:ext uri="{FF2B5EF4-FFF2-40B4-BE49-F238E27FC236}">
+                <a16:creationId xmlns:a16="http://schemas.microsoft.com/office/drawing/2014/main" id="{6DD5E2E3-A9A9-468D-237C-D1A54BE5B03D}"/>
               </a:ext>
             </a:extLst>
           </p:cNvPr>
@@ -9095,32 +11015,767 @@
             <a:spLocks noGrp="1"/>
           </p:cNvSpPr>
           <p:nvPr>
-            <p:ph type="body" idx="13"/>
+            <p:ph type="body" idx="16"/>
           </p:nvPr>
+        </p:nvSpPr>
+        <p:spPr/>
+        <p:txBody>
+          <a:bodyPr/>
+          <a:lstStyle/>
+          <a:p>
+            <a:r>
+              <a:rPr lang="en-US" dirty="0"/>
+              <a:t>Informed Injection </a:t>
+            </a:r>
+            <a:r>
+              <a:rPr lang="en-HU" b="0" i="0" u="none" strike="noStrike" dirty="0">
+                <a:solidFill>
+                  <a:srgbClr val="1F1F1F"/>
+                </a:solidFill>
+                <a:effectLst/>
+                <a:latin typeface="Google Sans"/>
+              </a:rPr>
+              <a:t>—</a:t>
+            </a:r>
+            <a:r>
+              <a:rPr lang="en-US" dirty="0"/>
+              <a:t> Mimicry</a:t>
+            </a:r>
+          </a:p>
+        </p:txBody>
+      </p:sp>
+      <p:sp>
+        <p:nvSpPr>
+          <p:cNvPr id="6" name="Text Placeholder 5">
+            <a:extLst>
+              <a:ext uri="{FF2B5EF4-FFF2-40B4-BE49-F238E27FC236}">
+                <a16:creationId xmlns:a16="http://schemas.microsoft.com/office/drawing/2014/main" id="{9F25C3C4-CF4C-159C-3CFB-76AD257B1517}"/>
+              </a:ext>
+            </a:extLst>
+          </p:cNvPr>
+          <p:cNvSpPr>
+            <a:spLocks noGrp="1"/>
+          </p:cNvSpPr>
+          <p:nvPr>
+            <p:ph type="body" idx="20"/>
+          </p:nvPr>
+        </p:nvSpPr>
+        <p:spPr/>
+        <p:txBody>
+          <a:bodyPr/>
+          <a:lstStyle/>
+          <a:p>
+            <a:endParaRPr lang="en-US"/>
+          </a:p>
+        </p:txBody>
+      </p:sp>
+      <p:pic>
+        <p:nvPicPr>
+          <p:cNvPr id="3" name="Picture 2">
+            <a:extLst>
+              <a:ext uri="{FF2B5EF4-FFF2-40B4-BE49-F238E27FC236}">
+                <a16:creationId xmlns:a16="http://schemas.microsoft.com/office/drawing/2014/main" id="{A3B09525-2920-B824-D2FB-509C94C4FA15}"/>
+              </a:ext>
+            </a:extLst>
+          </p:cNvPr>
+          <p:cNvPicPr>
+            <a:picLocks noChangeAspect="1"/>
+          </p:cNvPicPr>
+          <p:nvPr/>
+        </p:nvPicPr>
+        <p:blipFill>
+          <a:blip r:embed="rId2"/>
+          <a:srcRect/>
+          <a:stretch/>
+        </p:blipFill>
+        <p:spPr>
+          <a:xfrm>
+            <a:off x="2124824" y="1726898"/>
+            <a:ext cx="7942350" cy="3600000"/>
+          </a:xfrm>
+          <a:prstGeom prst="rect">
+            <a:avLst/>
+          </a:prstGeom>
+        </p:spPr>
+      </p:pic>
+      <p:pic>
+        <p:nvPicPr>
+          <p:cNvPr id="8" name="Picture 7">
+            <a:extLst>
+              <a:ext uri="{FF2B5EF4-FFF2-40B4-BE49-F238E27FC236}">
+                <a16:creationId xmlns:a16="http://schemas.microsoft.com/office/drawing/2014/main" id="{1BE51D80-F557-F66C-A77C-0A010C788BC1}"/>
+              </a:ext>
+            </a:extLst>
+          </p:cNvPr>
+          <p:cNvPicPr>
+            <a:picLocks noChangeAspect="1"/>
+          </p:cNvPicPr>
+          <p:nvPr/>
+        </p:nvPicPr>
+        <p:blipFill>
+          <a:blip r:embed="rId3"/>
+          <a:srcRect/>
+          <a:stretch/>
+        </p:blipFill>
+        <p:spPr>
+          <a:xfrm>
+            <a:off x="2968863" y="2114618"/>
+            <a:ext cx="7942268" cy="3599962"/>
+          </a:xfrm>
+          <a:prstGeom prst="rect">
+            <a:avLst/>
+          </a:prstGeom>
+          <a:effectLst>
+            <a:outerShdw blurRad="312423" dist="258499" dir="14400000" sx="105000" sy="105000" algn="t" rotWithShape="0">
+              <a:prstClr val="black">
+                <a:alpha val="49726"/>
+              </a:prstClr>
+            </a:outerShdw>
+          </a:effectLst>
+        </p:spPr>
+      </p:pic>
+    </p:spTree>
+    <p:extLst>
+      <p:ext uri="{BB962C8B-B14F-4D97-AF65-F5344CB8AC3E}">
+        <p14:creationId xmlns:p14="http://schemas.microsoft.com/office/powerpoint/2010/main" val="1110502414"/>
+      </p:ext>
+    </p:extLst>
+  </p:cSld>
+  <p:clrMapOvr>
+    <a:masterClrMapping/>
+  </p:clrMapOvr>
+  <p:timing>
+    <p:tnLst>
+      <p:par>
+        <p:cTn id="1" dur="indefinite" restart="never" nodeType="tmRoot">
+          <p:childTnLst>
+            <p:seq concurrent="1" nextAc="seek">
+              <p:cTn id="2" dur="indefinite" nodeType="mainSeq">
+                <p:childTnLst>
+                  <p:par>
+                    <p:cTn id="3" fill="hold">
+                      <p:stCondLst>
+                        <p:cond delay="indefinite"/>
+                      </p:stCondLst>
+                      <p:childTnLst>
+                        <p:par>
+                          <p:cTn id="4" fill="hold">
+                            <p:stCondLst>
+                              <p:cond delay="0"/>
+                            </p:stCondLst>
+                            <p:childTnLst>
+                              <p:par>
+                                <p:cTn id="5" presetID="47" presetClass="entr" presetSubtype="0" fill="hold" nodeType="clickEffect">
+                                  <p:stCondLst>
+                                    <p:cond delay="0"/>
+                                  </p:stCondLst>
+                                  <p:childTnLst>
+                                    <p:set>
+                                      <p:cBhvr>
+                                        <p:cTn id="6" dur="1" fill="hold">
+                                          <p:stCondLst>
+                                            <p:cond delay="0"/>
+                                          </p:stCondLst>
+                                        </p:cTn>
+                                        <p:tgtEl>
+                                          <p:spTgt spid="8"/>
+                                        </p:tgtEl>
+                                        <p:attrNameLst>
+                                          <p:attrName>style.visibility</p:attrName>
+                                        </p:attrNameLst>
+                                      </p:cBhvr>
+                                      <p:to>
+                                        <p:strVal val="visible"/>
+                                      </p:to>
+                                    </p:set>
+                                    <p:animEffect transition="in" filter="fade">
+                                      <p:cBhvr>
+                                        <p:cTn id="7" dur="500"/>
+                                        <p:tgtEl>
+                                          <p:spTgt spid="8"/>
+                                        </p:tgtEl>
+                                      </p:cBhvr>
+                                    </p:animEffect>
+                                    <p:anim calcmode="lin" valueType="num">
+                                      <p:cBhvr>
+                                        <p:cTn id="8" dur="500" fill="hold"/>
+                                        <p:tgtEl>
+                                          <p:spTgt spid="8"/>
+                                        </p:tgtEl>
+                                        <p:attrNameLst>
+                                          <p:attrName>ppt_x</p:attrName>
+                                        </p:attrNameLst>
+                                      </p:cBhvr>
+                                      <p:tavLst>
+                                        <p:tav tm="0">
+                                          <p:val>
+                                            <p:strVal val="#ppt_x"/>
+                                          </p:val>
+                                        </p:tav>
+                                        <p:tav tm="100000">
+                                          <p:val>
+                                            <p:strVal val="#ppt_x"/>
+                                          </p:val>
+                                        </p:tav>
+                                      </p:tavLst>
+                                    </p:anim>
+                                    <p:anim calcmode="lin" valueType="num">
+                                      <p:cBhvr>
+                                        <p:cTn id="9" dur="500" fill="hold"/>
+                                        <p:tgtEl>
+                                          <p:spTgt spid="8"/>
+                                        </p:tgtEl>
+                                        <p:attrNameLst>
+                                          <p:attrName>ppt_y</p:attrName>
+                                        </p:attrNameLst>
+                                      </p:cBhvr>
+                                      <p:tavLst>
+                                        <p:tav tm="0">
+                                          <p:val>
+                                            <p:strVal val="#ppt_y-.1"/>
+                                          </p:val>
+                                        </p:tav>
+                                        <p:tav tm="100000">
+                                          <p:val>
+                                            <p:strVal val="#ppt_y"/>
+                                          </p:val>
+                                        </p:tav>
+                                      </p:tavLst>
+                                    </p:anim>
+                                  </p:childTnLst>
+                                </p:cTn>
+                              </p:par>
+                            </p:childTnLst>
+                          </p:cTn>
+                        </p:par>
+                      </p:childTnLst>
+                    </p:cTn>
+                  </p:par>
+                </p:childTnLst>
+              </p:cTn>
+              <p:prevCondLst>
+                <p:cond evt="onPrev" delay="0">
+                  <p:tgtEl>
+                    <p:sldTgt/>
+                  </p:tgtEl>
+                </p:cond>
+              </p:prevCondLst>
+              <p:nextCondLst>
+                <p:cond evt="onNext" delay="0">
+                  <p:tgtEl>
+                    <p:sldTgt/>
+                  </p:tgtEl>
+                </p:cond>
+              </p:nextCondLst>
+            </p:seq>
+          </p:childTnLst>
+        </p:cTn>
+      </p:par>
+    </p:tnLst>
+  </p:timing>
+</p:sld>
+</file>
+
+<file path=ppt/slides/slide9.xml><?xml version="1.0" encoding="utf-8"?>
+<p:sld xmlns:a="http://schemas.openxmlformats.org/drawingml/2006/main" xmlns:r="http://schemas.openxmlformats.org/officeDocument/2006/relationships" xmlns:p="http://schemas.openxmlformats.org/presentationml/2006/main">
+  <p:cSld>
+    <p:spTree>
+      <p:nvGrpSpPr>
+        <p:cNvPr id="1" name="">
+          <a:extLst>
+            <a:ext uri="{FF2B5EF4-FFF2-40B4-BE49-F238E27FC236}">
+              <a16:creationId xmlns:a16="http://schemas.microsoft.com/office/drawing/2014/main" id="{FA41BD3D-CC97-0C9F-7078-2A9ACFDDD8A6}"/>
+            </a:ext>
+          </a:extLst>
+        </p:cNvPr>
+        <p:cNvGrpSpPr/>
+        <p:nvPr/>
+      </p:nvGrpSpPr>
+      <p:grpSpPr>
+        <a:xfrm>
+          <a:off x="0" y="0"/>
+          <a:ext cx="0" cy="0"/>
+          <a:chOff x="0" y="0"/>
+          <a:chExt cx="0" cy="0"/>
+        </a:xfrm>
+      </p:grpSpPr>
+      <p:sp>
+        <p:nvSpPr>
+          <p:cNvPr id="2" name="Text Placeholder 1">
+            <a:extLst>
+              <a:ext uri="{FF2B5EF4-FFF2-40B4-BE49-F238E27FC236}">
+                <a16:creationId xmlns:a16="http://schemas.microsoft.com/office/drawing/2014/main" id="{E71D1B03-AA6A-427D-D6A3-E7765CD39160}"/>
+              </a:ext>
+            </a:extLst>
+          </p:cNvPr>
+          <p:cNvSpPr>
+            <a:spLocks noGrp="1"/>
+          </p:cNvSpPr>
+          <p:nvPr>
+            <p:ph type="body" idx="16"/>
+          </p:nvPr>
+        </p:nvSpPr>
+        <p:spPr/>
+        <p:txBody>
+          <a:bodyPr/>
+          <a:lstStyle/>
+          <a:p>
+            <a:r>
+              <a:rPr lang="en-US" dirty="0"/>
+              <a:t>Informed Injection </a:t>
+            </a:r>
+            <a:r>
+              <a:rPr lang="en-HU" b="0" i="0" u="none" strike="noStrike" dirty="0">
+                <a:solidFill>
+                  <a:srgbClr val="1F1F1F"/>
+                </a:solidFill>
+                <a:effectLst/>
+                <a:latin typeface="Google Sans"/>
+              </a:rPr>
+              <a:t>—</a:t>
+            </a:r>
+            <a:r>
+              <a:rPr lang="en-US" dirty="0"/>
+              <a:t> Mimicry</a:t>
+            </a:r>
+          </a:p>
+        </p:txBody>
+      </p:sp>
+      <p:sp>
+        <p:nvSpPr>
+          <p:cNvPr id="6" name="Text Placeholder 5">
+            <a:extLst>
+              <a:ext uri="{FF2B5EF4-FFF2-40B4-BE49-F238E27FC236}">
+                <a16:creationId xmlns:a16="http://schemas.microsoft.com/office/drawing/2014/main" id="{9F909B25-7166-D1B2-ACE7-948F17B28963}"/>
+              </a:ext>
+            </a:extLst>
+          </p:cNvPr>
+          <p:cNvSpPr>
+            <a:spLocks noGrp="1"/>
+          </p:cNvSpPr>
+          <p:nvPr>
+            <p:ph type="body" idx="20"/>
+          </p:nvPr>
+        </p:nvSpPr>
+        <p:spPr/>
+        <p:txBody>
+          <a:bodyPr/>
+          <a:lstStyle/>
+          <a:p>
+            <a:endParaRPr lang="en-US"/>
+          </a:p>
+        </p:txBody>
+      </p:sp>
+      <p:pic>
+        <p:nvPicPr>
+          <p:cNvPr id="7" name="Picture 6">
+            <a:extLst>
+              <a:ext uri="{FF2B5EF4-FFF2-40B4-BE49-F238E27FC236}">
+                <a16:creationId xmlns:a16="http://schemas.microsoft.com/office/drawing/2014/main" id="{88CA51E5-FFE8-FBAA-BE12-903E4C463C0E}"/>
+              </a:ext>
+            </a:extLst>
+          </p:cNvPr>
+          <p:cNvPicPr>
+            <a:picLocks noChangeAspect="1"/>
+          </p:cNvPicPr>
+          <p:nvPr/>
+        </p:nvPicPr>
+        <p:blipFill>
+          <a:blip r:embed="rId2"/>
+          <a:srcRect/>
+          <a:stretch/>
+        </p:blipFill>
+        <p:spPr>
+          <a:xfrm>
+            <a:off x="2876549" y="1686002"/>
+            <a:ext cx="6438900" cy="1997840"/>
+          </a:xfrm>
+          <a:prstGeom prst="rect">
+            <a:avLst/>
+          </a:prstGeom>
+          <a:ln>
+            <a:solidFill>
+              <a:schemeClr val="tx1"/>
+            </a:solidFill>
+          </a:ln>
+          <a:effectLst>
+            <a:outerShdw blurRad="50800" dist="38100" dir="5400000" algn="t" rotWithShape="0">
+              <a:prstClr val="black">
+                <a:alpha val="40000"/>
+              </a:prstClr>
+            </a:outerShdw>
+          </a:effectLst>
+        </p:spPr>
+      </p:pic>
+      <p:graphicFrame>
+        <p:nvGraphicFramePr>
+          <p:cNvPr id="10" name="Table 9">
+            <a:extLst>
+              <a:ext uri="{FF2B5EF4-FFF2-40B4-BE49-F238E27FC236}">
+                <a16:creationId xmlns:a16="http://schemas.microsoft.com/office/drawing/2014/main" id="{7935DC74-2BDF-8147-09CE-8A395918CD92}"/>
+              </a:ext>
+            </a:extLst>
+          </p:cNvPr>
+          <p:cNvGraphicFramePr>
+            <a:graphicFrameLocks noGrp="1"/>
+          </p:cNvGraphicFramePr>
+          <p:nvPr>
+            <p:extLst>
+              <p:ext uri="{D42A27DB-BD31-4B8C-83A1-F6EECF244321}">
+                <p14:modId xmlns:p14="http://schemas.microsoft.com/office/powerpoint/2010/main" val="3813427012"/>
+              </p:ext>
+            </p:extLst>
+          </p:nvPr>
+        </p:nvGraphicFramePr>
+        <p:xfrm>
+          <a:off x="838199" y="4156852"/>
+          <a:ext cx="10515600" cy="1143130"/>
+        </p:xfrm>
+        <a:graphic>
+          <a:graphicData uri="http://schemas.openxmlformats.org/drawingml/2006/table">
+            <a:tbl>
+              <a:tblPr/>
+              <a:tblGrid>
+                <a:gridCol w="693995">
+                  <a:extLst>
+                    <a:ext uri="{9D8B030D-6E8A-4147-A177-3AD203B41FA5}">
+                      <a16:colId xmlns:a16="http://schemas.microsoft.com/office/drawing/2014/main" val="3580539963"/>
+                    </a:ext>
+                  </a:extLst>
+                </a:gridCol>
+                <a:gridCol w="9821605">
+                  <a:extLst>
+                    <a:ext uri="{9D8B030D-6E8A-4147-A177-3AD203B41FA5}">
+                      <a16:colId xmlns:a16="http://schemas.microsoft.com/office/drawing/2014/main" val="1752262900"/>
+                    </a:ext>
+                  </a:extLst>
+                </a:gridCol>
+              </a:tblGrid>
+              <a:tr h="723982">
+                <a:tc>
+                  <a:txBody>
+                    <a:bodyPr/>
+                    <a:lstStyle/>
+                    <a:p>
+                      <a:pPr algn="l" fontAlgn="ctr"/>
+                      <a:r>
+                        <a:rPr lang="en-GB" sz="1600" b="1" dirty="0">
+                          <a:effectLst/>
+                        </a:rPr>
+                        <a:t>Pros</a:t>
+                      </a:r>
+                    </a:p>
+                  </a:txBody>
+                  <a:tcPr anchor="ctr">
+                    <a:lnL w="12700" cap="flat" cmpd="sng" algn="ctr">
+                      <a:solidFill>
+                        <a:schemeClr val="tx1"/>
+                      </a:solidFill>
+                      <a:prstDash val="solid"/>
+                      <a:round/>
+                      <a:headEnd type="none" w="med" len="med"/>
+                      <a:tailEnd type="none" w="med" len="med"/>
+                    </a:lnL>
+                    <a:lnR w="12700" cap="flat" cmpd="sng" algn="ctr">
+                      <a:solidFill>
+                        <a:schemeClr val="tx1"/>
+                      </a:solidFill>
+                      <a:prstDash val="solid"/>
+                      <a:round/>
+                      <a:headEnd type="none" w="med" len="med"/>
+                      <a:tailEnd type="none" w="med" len="med"/>
+                    </a:lnR>
+                    <a:lnT w="12700" cap="flat" cmpd="sng" algn="ctr">
+                      <a:solidFill>
+                        <a:schemeClr val="tx1"/>
+                      </a:solidFill>
+                      <a:prstDash val="solid"/>
+                      <a:round/>
+                      <a:headEnd type="none" w="med" len="med"/>
+                      <a:tailEnd type="none" w="med" len="med"/>
+                    </a:lnT>
+                    <a:lnB w="12700" cap="flat" cmpd="sng" algn="ctr">
+                      <a:solidFill>
+                        <a:schemeClr val="tx1"/>
+                      </a:solidFill>
+                      <a:prstDash val="solid"/>
+                      <a:round/>
+                      <a:headEnd type="none" w="med" len="med"/>
+                      <a:tailEnd type="none" w="med" len="med"/>
+                    </a:lnB>
+                    <a:lnTlToBr w="12700" cmpd="sng">
+                      <a:noFill/>
+                      <a:prstDash val="solid"/>
+                    </a:lnTlToBr>
+                    <a:lnBlToTr w="12700" cmpd="sng">
+                      <a:noFill/>
+                      <a:prstDash val="solid"/>
+                    </a:lnBlToTr>
+                    <a:noFill/>
+                  </a:tcPr>
+                </a:tc>
+                <a:tc>
+                  <a:txBody>
+                    <a:bodyPr/>
+                    <a:lstStyle/>
+                    <a:p>
+                      <a:pPr marL="0" indent="0" algn="l">
+                        <a:buFontTx/>
+                        <a:buNone/>
+                      </a:pPr>
+                      <a:r>
+                        <a:rPr lang="en-US" sz="1600" dirty="0">
+                          <a:effectLst/>
+                        </a:rPr>
+                        <a:t>Despite shifting the centroids along with the possibility to change cluster boundaries, it does not significantly change performance metrics, at least not for the worse. Some of the scores may even generate false confidence.</a:t>
+                      </a:r>
+                      <a:endParaRPr lang="en-HU" sz="1600" dirty="0">
+                        <a:effectLst/>
+                      </a:endParaRPr>
+                    </a:p>
+                  </a:txBody>
+                  <a:tcPr anchor="ctr">
+                    <a:lnL w="12700" cap="flat" cmpd="sng" algn="ctr">
+                      <a:solidFill>
+                        <a:schemeClr val="tx1"/>
+                      </a:solidFill>
+                      <a:prstDash val="solid"/>
+                      <a:round/>
+                      <a:headEnd type="none" w="med" len="med"/>
+                      <a:tailEnd type="none" w="med" len="med"/>
+                    </a:lnL>
+                    <a:lnR w="12700" cap="flat" cmpd="sng" algn="ctr">
+                      <a:solidFill>
+                        <a:schemeClr val="tx1"/>
+                      </a:solidFill>
+                      <a:prstDash val="solid"/>
+                      <a:round/>
+                      <a:headEnd type="none" w="med" len="med"/>
+                      <a:tailEnd type="none" w="med" len="med"/>
+                    </a:lnR>
+                    <a:lnT w="12700" cap="flat" cmpd="sng" algn="ctr">
+                      <a:solidFill>
+                        <a:schemeClr val="tx1"/>
+                      </a:solidFill>
+                      <a:prstDash val="solid"/>
+                      <a:round/>
+                      <a:headEnd type="none" w="med" len="med"/>
+                      <a:tailEnd type="none" w="med" len="med"/>
+                    </a:lnT>
+                    <a:lnB w="12700" cap="flat" cmpd="sng" algn="ctr">
+                      <a:solidFill>
+                        <a:schemeClr val="tx1"/>
+                      </a:solidFill>
+                      <a:prstDash val="solid"/>
+                      <a:round/>
+                      <a:headEnd type="none" w="med" len="med"/>
+                      <a:tailEnd type="none" w="med" len="med"/>
+                    </a:lnB>
+                    <a:lnTlToBr w="12700" cmpd="sng">
+                      <a:noFill/>
+                      <a:prstDash val="solid"/>
+                    </a:lnTlToBr>
+                    <a:lnBlToTr w="12700" cmpd="sng">
+                      <a:noFill/>
+                      <a:prstDash val="solid"/>
+                    </a:lnBlToTr>
+                    <a:noFill/>
+                  </a:tcPr>
+                </a:tc>
+                <a:extLst>
+                  <a:ext uri="{0D108BD9-81ED-4DB2-BD59-A6C34878D82A}">
+                    <a16:rowId xmlns:a16="http://schemas.microsoft.com/office/drawing/2014/main" val="3828876444"/>
+                  </a:ext>
+                </a:extLst>
+              </a:tr>
+              <a:tr h="419148">
+                <a:tc>
+                  <a:txBody>
+                    <a:bodyPr/>
+                    <a:lstStyle/>
+                    <a:p>
+                      <a:pPr algn="l" fontAlgn="ctr"/>
+                      <a:r>
+                        <a:rPr lang="en-GB" sz="1600" b="1" dirty="0">
+                          <a:effectLst/>
+                        </a:rPr>
+                        <a:t>Cons</a:t>
+                      </a:r>
+                    </a:p>
+                  </a:txBody>
+                  <a:tcPr anchor="ctr">
+                    <a:lnL w="12700" cap="flat" cmpd="sng" algn="ctr">
+                      <a:solidFill>
+                        <a:schemeClr val="tx1"/>
+                      </a:solidFill>
+                      <a:prstDash val="solid"/>
+                      <a:round/>
+                      <a:headEnd type="none" w="med" len="med"/>
+                      <a:tailEnd type="none" w="med" len="med"/>
+                    </a:lnL>
+                    <a:lnR w="12700" cap="flat" cmpd="sng" algn="ctr">
+                      <a:solidFill>
+                        <a:schemeClr val="tx1"/>
+                      </a:solidFill>
+                      <a:prstDash val="solid"/>
+                      <a:round/>
+                      <a:headEnd type="none" w="med" len="med"/>
+                      <a:tailEnd type="none" w="med" len="med"/>
+                    </a:lnR>
+                    <a:lnT w="12700" cap="flat" cmpd="sng" algn="ctr">
+                      <a:solidFill>
+                        <a:schemeClr val="tx1"/>
+                      </a:solidFill>
+                      <a:prstDash val="solid"/>
+                      <a:round/>
+                      <a:headEnd type="none" w="med" len="med"/>
+                      <a:tailEnd type="none" w="med" len="med"/>
+                    </a:lnT>
+                    <a:lnB w="12700" cap="flat" cmpd="sng" algn="ctr">
+                      <a:solidFill>
+                        <a:schemeClr val="tx1"/>
+                      </a:solidFill>
+                      <a:prstDash val="solid"/>
+                      <a:round/>
+                      <a:headEnd type="none" w="med" len="med"/>
+                      <a:tailEnd type="none" w="med" len="med"/>
+                    </a:lnB>
+                    <a:lnTlToBr w="12700" cmpd="sng">
+                      <a:noFill/>
+                      <a:prstDash val="solid"/>
+                    </a:lnTlToBr>
+                    <a:lnBlToTr w="12700" cmpd="sng">
+                      <a:noFill/>
+                      <a:prstDash val="solid"/>
+                    </a:lnBlToTr>
+                    <a:noFill/>
+                  </a:tcPr>
+                </a:tc>
+                <a:tc>
+                  <a:txBody>
+                    <a:bodyPr/>
+                    <a:lstStyle/>
+                    <a:p>
+                      <a:pPr algn="l"/>
+                      <a:r>
+                        <a:rPr lang="en-HU" sz="1600" dirty="0">
+                          <a:effectLst/>
+                        </a:rPr>
+                        <a:t>Relies on outliers in the dataset.</a:t>
+                      </a:r>
+                    </a:p>
+                  </a:txBody>
+                  <a:tcPr anchor="ctr">
+                    <a:lnL w="12700" cap="flat" cmpd="sng" algn="ctr">
+                      <a:solidFill>
+                        <a:schemeClr val="tx1"/>
+                      </a:solidFill>
+                      <a:prstDash val="solid"/>
+                      <a:round/>
+                      <a:headEnd type="none" w="med" len="med"/>
+                      <a:tailEnd type="none" w="med" len="med"/>
+                    </a:lnL>
+                    <a:lnR w="12700" cap="flat" cmpd="sng" algn="ctr">
+                      <a:solidFill>
+                        <a:schemeClr val="tx1"/>
+                      </a:solidFill>
+                      <a:prstDash val="solid"/>
+                      <a:round/>
+                      <a:headEnd type="none" w="med" len="med"/>
+                      <a:tailEnd type="none" w="med" len="med"/>
+                    </a:lnR>
+                    <a:lnT w="12700" cap="flat" cmpd="sng" algn="ctr">
+                      <a:solidFill>
+                        <a:schemeClr val="tx1"/>
+                      </a:solidFill>
+                      <a:prstDash val="solid"/>
+                      <a:round/>
+                      <a:headEnd type="none" w="med" len="med"/>
+                      <a:tailEnd type="none" w="med" len="med"/>
+                    </a:lnT>
+                    <a:lnB w="12700" cap="flat" cmpd="sng" algn="ctr">
+                      <a:solidFill>
+                        <a:schemeClr val="tx1"/>
+                      </a:solidFill>
+                      <a:prstDash val="solid"/>
+                      <a:round/>
+                      <a:headEnd type="none" w="med" len="med"/>
+                      <a:tailEnd type="none" w="med" len="med"/>
+                    </a:lnB>
+                    <a:lnTlToBr w="12700" cmpd="sng">
+                      <a:noFill/>
+                      <a:prstDash val="solid"/>
+                    </a:lnTlToBr>
+                    <a:lnBlToTr w="12700" cmpd="sng">
+                      <a:noFill/>
+                      <a:prstDash val="solid"/>
+                    </a:lnBlToTr>
+                    <a:noFill/>
+                  </a:tcPr>
+                </a:tc>
+                <a:extLst>
+                  <a:ext uri="{0D108BD9-81ED-4DB2-BD59-A6C34878D82A}">
+                    <a16:rowId xmlns:a16="http://schemas.microsoft.com/office/drawing/2014/main" val="1926496772"/>
+                  </a:ext>
+                </a:extLst>
+              </a:tr>
+            </a:tbl>
+          </a:graphicData>
+        </a:graphic>
+      </p:graphicFrame>
+      <p:sp>
+        <p:nvSpPr>
+          <p:cNvPr id="11" name="TextBox 10">
+            <a:extLst>
+              <a:ext uri="{FF2B5EF4-FFF2-40B4-BE49-F238E27FC236}">
+                <a16:creationId xmlns:a16="http://schemas.microsoft.com/office/drawing/2014/main" id="{40540088-0BA7-D80B-EE53-20050BF966F3}"/>
+              </a:ext>
+            </a:extLst>
+          </p:cNvPr>
+          <p:cNvSpPr txBox="1"/>
+          <p:nvPr/>
         </p:nvSpPr>
         <p:spPr>
           <a:xfrm>
-            <a:off x="723900" y="2983444"/>
-            <a:ext cx="10744200" cy="891112"/>
+            <a:off x="4218802" y="5602294"/>
+            <a:ext cx="3754395" cy="307777"/>
           </a:xfrm>
+          <a:prstGeom prst="rect">
+            <a:avLst/>
+          </a:prstGeom>
+          <a:noFill/>
         </p:spPr>
         <p:txBody>
-          <a:bodyPr/>
+          <a:bodyPr wrap="square" rtlCol="0">
+            <a:spAutoFit/>
+          </a:bodyPr>
           <a:lstStyle/>
           <a:p>
             <a:pPr algn="ctr"/>
             <a:r>
-              <a:rPr lang="en-GB" dirty="0"/>
-              <a:t>Thank you for your attention!</a:t>
-            </a:r>
-            <a:endParaRPr lang="hu-HU" dirty="0"/>
+              <a:rPr lang="en-US" sz="1400" dirty="0">
+                <a:hlinkClick r:id="rId3"/>
+              </a:rPr>
+              <a:t>Notebook (Iris)</a:t>
+            </a:r>
+            <a:r>
+              <a:rPr lang="en-US" sz="1400" dirty="0"/>
+              <a:t>    </a:t>
+            </a:r>
+            <a:r>
+              <a:rPr lang="en-US" sz="1400" dirty="0">
+                <a:hlinkClick r:id="rId4"/>
+              </a:rPr>
+              <a:t>Notebook (Breast cancer)</a:t>
+            </a:r>
+            <a:endParaRPr lang="en-US" sz="1400" dirty="0"/>
           </a:p>
         </p:txBody>
       </p:sp>
     </p:spTree>
     <p:extLst>
       <p:ext uri="{BB962C8B-B14F-4D97-AF65-F5344CB8AC3E}">
-        <p14:creationId xmlns:p14="http://schemas.microsoft.com/office/powerpoint/2010/main" val="3354372117"/>
+        <p14:creationId xmlns:p14="http://schemas.microsoft.com/office/powerpoint/2010/main" val="1026021164"/>
       </p:ext>
     </p:extLst>
   </p:cSld>

--- a/poison_cluster_defense.pptx
+++ b/poison_cluster_defense.pptx
@@ -266,7 +266,7 @@
           <a:p>
             <a:fld id="{C8771E59-BB6D-9C41-A61C-2D524682E115}" type="datetimeFigureOut">
               <a:rPr lang="hu-HU" smtClean="0"/>
-              <a:t>2025. 05. 03.</a:t>
+              <a:t>2025. 05. 04.</a:t>
             </a:fld>
             <a:endParaRPr lang="hu-HU"/>
           </a:p>
@@ -443,7 +443,7 @@
           <a:p>
             <a:fld id="{B4DA393B-998D-3C45-ACA4-5C51E3A83922}" type="datetimeFigureOut">
               <a:rPr lang="hu-HU" smtClean="0"/>
-              <a:t>2025. 05. 03.</a:t>
+              <a:t>2025. 05. 04.</a:t>
             </a:fld>
             <a:endParaRPr lang="hu-HU"/>
           </a:p>
@@ -9303,14 +9303,22 @@
           <a:p>
             <a:r>
               <a:rPr lang="en-GB" dirty="0"/>
-              <a:t>Subtle outliers</a:t>
+              <a:t>Subtle Outliers</a:t>
             </a:r>
           </a:p>
           <a:p>
             <a:r>
               <a:rPr lang="en-GB" dirty="0"/>
-              <a:t>Shuffled labels</a:t>
-            </a:r>
+              <a:t>Shuffled Labels</a:t>
+            </a:r>
+          </a:p>
+          <a:p>
+            <a:r>
+              <a:rPr lang="en-GB" dirty="0"/>
+              <a:t>Autoencoder Outliers</a:t>
+            </a:r>
+          </a:p>
+          <a:p>
             <a:endParaRPr lang="en-HU" dirty="0"/>
           </a:p>
         </p:txBody>
@@ -9362,8 +9370,8 @@
         </p:blipFill>
         <p:spPr>
           <a:xfrm>
-            <a:off x="4235384" y="2057400"/>
-            <a:ext cx="2429420" cy="2743200"/>
+            <a:off x="5057740" y="1348227"/>
+            <a:ext cx="1924581" cy="2150382"/>
           </a:xfrm>
           <a:prstGeom prst="rect">
             <a:avLst/>
@@ -9511,6 +9519,36 @@
           </p:spPr>
         </p:pic>
       </p:grpSp>
+      <p:pic>
+        <p:nvPicPr>
+          <p:cNvPr id="5" name="Kép 4" descr="A képen szöveg, képernyőkép, diagram, Betűtípus látható&#10;&#10;Előfordulhat, hogy a mesterséges intelligencia által létrehozott tartalom helytelen.">
+            <a:extLst>
+              <a:ext uri="{FF2B5EF4-FFF2-40B4-BE49-F238E27FC236}">
+                <a16:creationId xmlns:a16="http://schemas.microsoft.com/office/drawing/2014/main" id="{1B895F2B-8FA8-681E-FCF0-D586B16C8695}"/>
+              </a:ext>
+            </a:extLst>
+          </p:cNvPr>
+          <p:cNvPicPr>
+            <a:picLocks noChangeAspect="1"/>
+          </p:cNvPicPr>
+          <p:nvPr/>
+        </p:nvPicPr>
+        <p:blipFill>
+          <a:blip r:embed="rId7"/>
+          <a:stretch>
+            <a:fillRect/>
+          </a:stretch>
+        </p:blipFill>
+        <p:spPr>
+          <a:xfrm>
+            <a:off x="5055038" y="3513795"/>
+            <a:ext cx="1878893" cy="2285406"/>
+          </a:xfrm>
+          <a:prstGeom prst="rect">
+            <a:avLst/>
+          </a:prstGeom>
+        </p:spPr>
+      </p:pic>
     </p:spTree>
     <p:extLst>
       <p:ext uri="{BB962C8B-B14F-4D97-AF65-F5344CB8AC3E}">
@@ -9616,52 +9654,59 @@
           <p:nvPr>
             <p:extLst>
               <p:ext uri="{D42A27DB-BD31-4B8C-83A1-F6EECF244321}">
-                <p14:modId xmlns:p14="http://schemas.microsoft.com/office/powerpoint/2010/main" val="2138934877"/>
+                <p14:modId xmlns:p14="http://schemas.microsoft.com/office/powerpoint/2010/main" val="1869205516"/>
               </p:ext>
             </p:extLst>
           </p:nvPr>
         </p:nvGraphicFramePr>
         <p:xfrm>
           <a:off x="838200" y="1830485"/>
-          <a:ext cx="10515600" cy="3480067"/>
+          <a:ext cx="10515600" cy="3597916"/>
         </p:xfrm>
         <a:graphic>
           <a:graphicData uri="http://schemas.openxmlformats.org/drawingml/2006/table">
             <a:tbl>
               <a:tblPr/>
               <a:tblGrid>
-                <a:gridCol w="808164">
+                <a:gridCol w="673470">
                   <a:extLst>
                     <a:ext uri="{9D8B030D-6E8A-4147-A177-3AD203B41FA5}">
                       <a16:colId xmlns:a16="http://schemas.microsoft.com/office/drawing/2014/main" val="3580539963"/>
                     </a:ext>
                   </a:extLst>
                 </a:gridCol>
-                <a:gridCol w="3398076">
+                <a:gridCol w="2831730">
                   <a:extLst>
                     <a:ext uri="{9D8B030D-6E8A-4147-A177-3AD203B41FA5}">
                       <a16:colId xmlns:a16="http://schemas.microsoft.com/office/drawing/2014/main" val="1752262900"/>
                     </a:ext>
                   </a:extLst>
                 </a:gridCol>
-                <a:gridCol w="2103120">
+                <a:gridCol w="1752600">
                   <a:extLst>
                     <a:ext uri="{9D8B030D-6E8A-4147-A177-3AD203B41FA5}">
                       <a16:colId xmlns:a16="http://schemas.microsoft.com/office/drawing/2014/main" val="808131755"/>
                     </a:ext>
                   </a:extLst>
                 </a:gridCol>
-                <a:gridCol w="2103120">
+                <a:gridCol w="1752600">
                   <a:extLst>
                     <a:ext uri="{9D8B030D-6E8A-4147-A177-3AD203B41FA5}">
                       <a16:colId xmlns:a16="http://schemas.microsoft.com/office/drawing/2014/main" val="641345387"/>
                     </a:ext>
                   </a:extLst>
                 </a:gridCol>
-                <a:gridCol w="2103120">
+                <a:gridCol w="1752600">
                   <a:extLst>
                     <a:ext uri="{9D8B030D-6E8A-4147-A177-3AD203B41FA5}">
                       <a16:colId xmlns:a16="http://schemas.microsoft.com/office/drawing/2014/main" val="1528192510"/>
+                    </a:ext>
+                  </a:extLst>
+                </a:gridCol>
+                <a:gridCol w="1752600">
+                  <a:extLst>
+                    <a:ext uri="{9D8B030D-6E8A-4147-A177-3AD203B41FA5}">
+                      <a16:colId xmlns:a16="http://schemas.microsoft.com/office/drawing/2014/main" val="3560467826"/>
                     </a:ext>
                   </a:extLst>
                 </a:gridCol>
@@ -9930,6 +9975,66 @@
                         <a:t>Shuffled</a:t>
                       </a:r>
                       <a:endParaRPr lang="en-HU" sz="1600" dirty="0"/>
+                    </a:p>
+                  </a:txBody>
+                  <a:tcPr anchor="ctr">
+                    <a:lnL w="12700" cap="flat" cmpd="sng" algn="ctr">
+                      <a:solidFill>
+                        <a:schemeClr val="tx1"/>
+                      </a:solidFill>
+                      <a:prstDash val="solid"/>
+                      <a:round/>
+                      <a:headEnd type="none" w="med" len="med"/>
+                      <a:tailEnd type="none" w="med" len="med"/>
+                    </a:lnL>
+                    <a:lnR w="12700" cap="flat" cmpd="sng" algn="ctr">
+                      <a:solidFill>
+                        <a:schemeClr val="tx1"/>
+                      </a:solidFill>
+                      <a:prstDash val="solid"/>
+                      <a:round/>
+                      <a:headEnd type="none" w="med" len="med"/>
+                      <a:tailEnd type="none" w="med" len="med"/>
+                    </a:lnR>
+                    <a:lnT w="12700" cap="flat" cmpd="sng" algn="ctr">
+                      <a:solidFill>
+                        <a:schemeClr val="tx1"/>
+                      </a:solidFill>
+                      <a:prstDash val="solid"/>
+                      <a:round/>
+                      <a:headEnd type="none" w="med" len="med"/>
+                      <a:tailEnd type="none" w="med" len="med"/>
+                    </a:lnT>
+                    <a:lnB w="12700" cap="flat" cmpd="sng" algn="ctr">
+                      <a:solidFill>
+                        <a:schemeClr val="tx1"/>
+                      </a:solidFill>
+                      <a:prstDash val="solid"/>
+                      <a:round/>
+                      <a:headEnd type="none" w="med" len="med"/>
+                      <a:tailEnd type="none" w="med" len="med"/>
+                    </a:lnB>
+                    <a:lnTlToBr w="12700" cmpd="sng">
+                      <a:noFill/>
+                      <a:prstDash val="solid"/>
+                    </a:lnTlToBr>
+                    <a:lnBlToTr w="12700" cmpd="sng">
+                      <a:noFill/>
+                      <a:prstDash val="solid"/>
+                    </a:lnBlToTr>
+                  </a:tcPr>
+                </a:tc>
+                <a:tc>
+                  <a:txBody>
+                    <a:bodyPr/>
+                    <a:lstStyle/>
+                    <a:p>
+                      <a:pPr algn="l"/>
+                      <a:r>
+                        <a:rPr lang="en-US" sz="1600" b="1" dirty="0"/>
+                        <a:t>Model</a:t>
+                      </a:r>
+                      <a:endParaRPr lang="en-HU" sz="1600" b="1" dirty="0"/>
                     </a:p>
                   </a:txBody>
                   <a:tcPr anchor="ctr">
@@ -10320,6 +10425,71 @@
                     <a:noFill/>
                   </a:tcPr>
                 </a:tc>
+                <a:tc>
+                  <a:txBody>
+                    <a:bodyPr/>
+                    <a:lstStyle/>
+                    <a:p>
+                      <a:pPr algn="l"/>
+                      <a:r>
+                        <a:rPr lang="en-US" sz="1600" dirty="0">
+                          <a:effectLst/>
+                        </a:rPr>
+                        <a:t>Based on training goals can be hard to detect or it can create extreme values</a:t>
+                      </a:r>
+                      <a:endParaRPr lang="en-HU" sz="1600" dirty="0">
+                        <a:effectLst/>
+                      </a:endParaRPr>
+                    </a:p>
+                  </a:txBody>
+                  <a:tcPr anchor="ctr">
+                    <a:lnL w="12700" cap="flat" cmpd="sng" algn="ctr">
+                      <a:solidFill>
+                        <a:schemeClr val="tx1"/>
+                      </a:solidFill>
+                      <a:prstDash val="solid"/>
+                      <a:round/>
+                      <a:headEnd type="none" w="med" len="med"/>
+                      <a:tailEnd type="none" w="med" len="med"/>
+                    </a:lnL>
+                    <a:lnR w="12700" cap="flat" cmpd="sng" algn="ctr">
+                      <a:solidFill>
+                        <a:schemeClr val="tx1"/>
+                      </a:solidFill>
+                      <a:prstDash val="solid"/>
+                      <a:round/>
+                      <a:headEnd type="none" w="med" len="med"/>
+                      <a:tailEnd type="none" w="med" len="med"/>
+                    </a:lnR>
+                    <a:lnT w="12700" cap="flat" cmpd="sng" algn="ctr">
+                      <a:solidFill>
+                        <a:schemeClr val="tx1"/>
+                      </a:solidFill>
+                      <a:prstDash val="solid"/>
+                      <a:round/>
+                      <a:headEnd type="none" w="med" len="med"/>
+                      <a:tailEnd type="none" w="med" len="med"/>
+                    </a:lnT>
+                    <a:lnB w="12700" cap="flat" cmpd="sng" algn="ctr">
+                      <a:solidFill>
+                        <a:schemeClr val="tx1"/>
+                      </a:solidFill>
+                      <a:prstDash val="solid"/>
+                      <a:round/>
+                      <a:headEnd type="none" w="med" len="med"/>
+                      <a:tailEnd type="none" w="med" len="med"/>
+                    </a:lnB>
+                    <a:lnTlToBr w="12700" cmpd="sng">
+                      <a:noFill/>
+                      <a:prstDash val="solid"/>
+                    </a:lnTlToBr>
+                    <a:lnBlToTr w="12700" cmpd="sng">
+                      <a:noFill/>
+                      <a:prstDash val="solid"/>
+                    </a:lnBlToTr>
+                    <a:noFill/>
+                  </a:tcPr>
+                </a:tc>
                 <a:extLst>
                   <a:ext uri="{0D108BD9-81ED-4DB2-BD59-A6C34878D82A}">
                     <a16:rowId xmlns:a16="http://schemas.microsoft.com/office/drawing/2014/main" val="3828876444"/>
@@ -10587,6 +10757,71 @@
                         </a:rPr>
                         <a:t>Has no effect in purely unsupervised settings</a:t>
                       </a:r>
+                    </a:p>
+                  </a:txBody>
+                  <a:tcPr anchor="ctr">
+                    <a:lnL w="12700" cap="flat" cmpd="sng" algn="ctr">
+                      <a:solidFill>
+                        <a:schemeClr val="tx1"/>
+                      </a:solidFill>
+                      <a:prstDash val="solid"/>
+                      <a:round/>
+                      <a:headEnd type="none" w="med" len="med"/>
+                      <a:tailEnd type="none" w="med" len="med"/>
+                    </a:lnL>
+                    <a:lnR w="12700" cap="flat" cmpd="sng" algn="ctr">
+                      <a:solidFill>
+                        <a:schemeClr val="tx1"/>
+                      </a:solidFill>
+                      <a:prstDash val="solid"/>
+                      <a:round/>
+                      <a:headEnd type="none" w="med" len="med"/>
+                      <a:tailEnd type="none" w="med" len="med"/>
+                    </a:lnR>
+                    <a:lnT w="12700" cap="flat" cmpd="sng" algn="ctr">
+                      <a:solidFill>
+                        <a:schemeClr val="tx1"/>
+                      </a:solidFill>
+                      <a:prstDash val="solid"/>
+                      <a:round/>
+                      <a:headEnd type="none" w="med" len="med"/>
+                      <a:tailEnd type="none" w="med" len="med"/>
+                    </a:lnT>
+                    <a:lnB w="12700" cap="flat" cmpd="sng" algn="ctr">
+                      <a:solidFill>
+                        <a:schemeClr val="tx1"/>
+                      </a:solidFill>
+                      <a:prstDash val="solid"/>
+                      <a:round/>
+                      <a:headEnd type="none" w="med" len="med"/>
+                      <a:tailEnd type="none" w="med" len="med"/>
+                    </a:lnB>
+                    <a:lnTlToBr w="12700" cmpd="sng">
+                      <a:noFill/>
+                      <a:prstDash val="solid"/>
+                    </a:lnTlToBr>
+                    <a:lnBlToTr w="12700" cmpd="sng">
+                      <a:noFill/>
+                      <a:prstDash val="solid"/>
+                    </a:lnBlToTr>
+                    <a:noFill/>
+                  </a:tcPr>
+                </a:tc>
+                <a:tc>
+                  <a:txBody>
+                    <a:bodyPr/>
+                    <a:lstStyle/>
+                    <a:p>
+                      <a:pPr algn="l"/>
+                      <a:r>
+                        <a:rPr lang="en-US" sz="1600" dirty="0">
+                          <a:effectLst/>
+                        </a:rPr>
+                        <a:t>The model needs finetuning on the dataset</a:t>
+                      </a:r>
+                      <a:endParaRPr lang="en-HU" sz="1600" dirty="0">
+                        <a:effectLst/>
+                      </a:endParaRPr>
                     </a:p>
                   </a:txBody>
                   <a:tcPr anchor="ctr">
